--- a/report/nofa_presentation-sadc.pptx
+++ b/report/nofa_presentation-sadc.pptx
@@ -5,7 +5,7 @@
     <p:sldMasterId id="2147483648" r:id="rId1"/>
   </p:sldMasterIdLst>
   <p:notesMasterIdLst>
-    <p:notesMasterId r:id="rId21"/>
+    <p:notesMasterId r:id="rId24"/>
   </p:notesMasterIdLst>
   <p:sldIdLst>
     <p:sldId id="256" r:id="rId2"/>
@@ -27,6 +27,9 @@
     <p:sldId id="272" r:id="rId18"/>
     <p:sldId id="274" r:id="rId19"/>
     <p:sldId id="273" r:id="rId20"/>
+    <p:sldId id="275" r:id="rId21"/>
+    <p:sldId id="276" r:id="rId22"/>
+    <p:sldId id="277" r:id="rId23"/>
   </p:sldIdLst>
   <p:sldSz cx="9144000" cy="6858000" type="screen4x3"/>
   <p:notesSz cx="6858000" cy="9144000"/>
@@ -4191,6 +4194,98 @@
             <a:fld id="{2331AFAC-3128-3441-A944-2C44C1ED4215}" type="slidenum">
               <a:rPr lang="en-GB" smtClean="0"/>
               <a:t>18</a:t>
+            </a:fld>
+            <a:endParaRPr lang="en-GB"/>
+          </a:p>
+        </p:txBody>
+      </p:sp>
+    </p:spTree>
+    <p:extLst>
+      <p:ext uri="{BB962C8B-B14F-4D97-AF65-F5344CB8AC3E}">
+        <p14:creationId xmlns:p14="http://schemas.microsoft.com/office/powerpoint/2010/main" val="2533729579"/>
+      </p:ext>
+    </p:extLst>
+  </p:cSld>
+  <p:clrMapOvr>
+    <a:masterClrMapping/>
+  </p:clrMapOvr>
+</p:notes>
+</file>
+
+<file path=ppt/notesSlides/notesSlide8.xml><?xml version="1.0" encoding="utf-8"?>
+<p:notes xmlns:a="http://schemas.openxmlformats.org/drawingml/2006/main" xmlns:r="http://schemas.openxmlformats.org/officeDocument/2006/relationships" xmlns:p="http://schemas.openxmlformats.org/presentationml/2006/main">
+  <p:cSld>
+    <p:spTree>
+      <p:nvGrpSpPr>
+        <p:cNvPr id="1" name=""/>
+        <p:cNvGrpSpPr/>
+        <p:nvPr/>
+      </p:nvGrpSpPr>
+      <p:grpSpPr>
+        <a:xfrm>
+          <a:off x="0" y="0"/>
+          <a:ext cx="0" cy="0"/>
+          <a:chOff x="0" y="0"/>
+          <a:chExt cx="0" cy="0"/>
+        </a:xfrm>
+      </p:grpSpPr>
+      <p:sp>
+        <p:nvSpPr>
+          <p:cNvPr id="2" name="Slide Image Placeholder 1"/>
+          <p:cNvSpPr>
+            <a:spLocks noGrp="1" noRot="1" noChangeAspect="1"/>
+          </p:cNvSpPr>
+          <p:nvPr>
+            <p:ph type="sldImg"/>
+          </p:nvPr>
+        </p:nvSpPr>
+        <p:spPr/>
+      </p:sp>
+      <p:sp>
+        <p:nvSpPr>
+          <p:cNvPr id="3" name="Notes Placeholder 2"/>
+          <p:cNvSpPr>
+            <a:spLocks noGrp="1"/>
+          </p:cNvSpPr>
+          <p:nvPr>
+            <p:ph type="body" idx="1"/>
+          </p:nvPr>
+        </p:nvSpPr>
+        <p:spPr/>
+        <p:txBody>
+          <a:bodyPr/>
+          <a:lstStyle/>
+          <a:p>
+            <a:r>
+              <a:rPr lang="en-GB" dirty="0" smtClean="0"/>
+              <a:t>The ‘reddest areas’</a:t>
+            </a:r>
+            <a:r>
+              <a:rPr lang="en-GB" baseline="0" dirty="0" smtClean="0"/>
+              <a:t> (VCI &lt; 0.35)  were picked out and digitised (buffered for aggregation). These are presented as the cross-hatched area with the most intensive drought. The Hazard area was then used to determine problem specifications.</a:t>
+            </a:r>
+            <a:endParaRPr lang="en-GB" dirty="0"/>
+          </a:p>
+        </p:txBody>
+      </p:sp>
+      <p:sp>
+        <p:nvSpPr>
+          <p:cNvPr id="4" name="Slide Number Placeholder 3"/>
+          <p:cNvSpPr>
+            <a:spLocks noGrp="1"/>
+          </p:cNvSpPr>
+          <p:nvPr>
+            <p:ph type="sldNum" sz="quarter" idx="10"/>
+          </p:nvPr>
+        </p:nvSpPr>
+        <p:spPr/>
+        <p:txBody>
+          <a:bodyPr/>
+          <a:lstStyle/>
+          <a:p>
+            <a:fld id="{2331AFAC-3128-3441-A944-2C44C1ED4215}" type="slidenum">
+              <a:rPr lang="en-GB" smtClean="0"/>
+              <a:t>20</a:t>
             </a:fld>
             <a:endParaRPr lang="en-GB"/>
           </a:p>
@@ -8194,10 +8289,10 @@
           <a:lstStyle/>
           <a:p>
             <a:r>
-              <a:rPr lang="en-GB" smtClean="0"/>
+              <a:rPr lang="en-GB" dirty="0" smtClean="0"/>
               <a:t>Problem Specifications</a:t>
             </a:r>
-            <a:endParaRPr lang="en-GB"/>
+            <a:endParaRPr lang="en-GB" dirty="0"/>
           </a:p>
         </p:txBody>
       </p:sp>
@@ -8213,10 +8308,50 @@
         </p:nvSpPr>
         <p:spPr/>
         <p:txBody>
-          <a:bodyPr/>
-          <a:lstStyle/>
-          <a:p>
-            <a:endParaRPr lang="en-GB"/>
+          <a:bodyPr>
+            <a:normAutofit fontScale="92500" lnSpcReduction="10000"/>
+          </a:bodyPr>
+          <a:lstStyle/>
+          <a:p>
+            <a:r>
+              <a:rPr lang="en-GB" dirty="0" smtClean="0"/>
+              <a:t>Crop estimates are provided by the CEC and they available data are detailed for </a:t>
+            </a:r>
+            <a:r>
+              <a:rPr lang="en-GB" dirty="0"/>
+              <a:t>c</a:t>
+            </a:r>
+            <a:r>
+              <a:rPr lang="en-GB" dirty="0" smtClean="0"/>
+              <a:t>ommercial farming (exclusive access tenure).</a:t>
+            </a:r>
+          </a:p>
+          <a:p>
+            <a:r>
+              <a:rPr lang="en-GB" dirty="0" smtClean="0"/>
+              <a:t>However, detail in non-commercial crop farming areas is lacking.</a:t>
+            </a:r>
+          </a:p>
+          <a:p>
+            <a:r>
+              <a:rPr lang="en-GB" dirty="0" smtClean="0"/>
+              <a:t>To geographically disaggregate of crop data and obtain a problem spec the analyst overlaid the hazard are onto the agricultural regions.</a:t>
+            </a:r>
+          </a:p>
+          <a:p>
+            <a:r>
+              <a:rPr lang="en-GB" dirty="0" smtClean="0"/>
+              <a:t>This help quantify </a:t>
+            </a:r>
+            <a:r>
+              <a:rPr lang="en-GB" dirty="0" err="1" smtClean="0"/>
+              <a:t>Prob</a:t>
+            </a:r>
+            <a:r>
+              <a:rPr lang="en-GB" dirty="0" smtClean="0"/>
+              <a:t> Specs for basic crop groups, e.g. cereals, legumes, etc.</a:t>
+            </a:r>
+            <a:endParaRPr lang="en-GB" dirty="0"/>
           </a:p>
         </p:txBody>
       </p:sp>
@@ -8319,6 +8454,496 @@
     <p:extLst>
       <p:ext uri="{BB962C8B-B14F-4D97-AF65-F5344CB8AC3E}">
         <p14:creationId xmlns:p14="http://schemas.microsoft.com/office/powerpoint/2010/main" val="3876172938"/>
+      </p:ext>
+    </p:extLst>
+  </p:cSld>
+  <p:clrMapOvr>
+    <a:masterClrMapping/>
+  </p:clrMapOvr>
+</p:sld>
+</file>
+
+<file path=ppt/slides/slide20.xml><?xml version="1.0" encoding="utf-8"?>
+<p:sld xmlns:a="http://schemas.openxmlformats.org/drawingml/2006/main" xmlns:r="http://schemas.openxmlformats.org/officeDocument/2006/relationships" xmlns:p="http://schemas.openxmlformats.org/presentationml/2006/main">
+  <p:cSld>
+    <p:spTree>
+      <p:nvGrpSpPr>
+        <p:cNvPr id="1" name=""/>
+        <p:cNvGrpSpPr/>
+        <p:nvPr/>
+      </p:nvGrpSpPr>
+      <p:grpSpPr>
+        <a:xfrm>
+          <a:off x="0" y="0"/>
+          <a:ext cx="0" cy="0"/>
+          <a:chOff x="0" y="0"/>
+          <a:chExt cx="0" cy="0"/>
+        </a:xfrm>
+      </p:grpSpPr>
+      <p:sp>
+        <p:nvSpPr>
+          <p:cNvPr id="2" name="Title 1"/>
+          <p:cNvSpPr>
+            <a:spLocks noGrp="1"/>
+          </p:cNvSpPr>
+          <p:nvPr>
+            <p:ph type="title"/>
+          </p:nvPr>
+        </p:nvSpPr>
+        <p:spPr/>
+        <p:txBody>
+          <a:bodyPr>
+            <a:normAutofit/>
+          </a:bodyPr>
+          <a:lstStyle/>
+          <a:p>
+            <a:r>
+              <a:rPr lang="en-GB" dirty="0" smtClean="0"/>
+              <a:t>Hazard Area &amp; Farming Regions</a:t>
+            </a:r>
+            <a:endParaRPr lang="en-GB" dirty="0"/>
+          </a:p>
+        </p:txBody>
+      </p:sp>
+      <p:pic>
+        <p:nvPicPr>
+          <p:cNvPr id="4" name="Content Placeholder 3"/>
+          <p:cNvPicPr>
+            <a:picLocks noGrp="1" noChangeAspect="1"/>
+          </p:cNvPicPr>
+          <p:nvPr>
+            <p:ph idx="1"/>
+          </p:nvPr>
+        </p:nvPicPr>
+        <p:blipFill>
+          <a:blip r:embed="rId3">
+            <a:extLst>
+              <a:ext uri="{28A0092B-C50C-407E-A947-70E740481C1C}">
+                <a14:useLocalDpi xmlns:a14="http://schemas.microsoft.com/office/drawing/2010/main" val="0"/>
+              </a:ext>
+            </a:extLst>
+          </a:blip>
+          <a:stretch>
+            <a:fillRect/>
+          </a:stretch>
+        </p:blipFill>
+        <p:spPr>
+          <a:xfrm>
+            <a:off x="873233" y="1600200"/>
+            <a:ext cx="7397533" cy="5114256"/>
+          </a:xfrm>
+        </p:spPr>
+      </p:pic>
+    </p:spTree>
+    <p:extLst>
+      <p:ext uri="{BB962C8B-B14F-4D97-AF65-F5344CB8AC3E}">
+        <p14:creationId xmlns:p14="http://schemas.microsoft.com/office/powerpoint/2010/main" val="174465293"/>
+      </p:ext>
+    </p:extLst>
+  </p:cSld>
+  <p:clrMapOvr>
+    <a:masterClrMapping/>
+  </p:clrMapOvr>
+</p:sld>
+</file>
+
+<file path=ppt/slides/slide21.xml><?xml version="1.0" encoding="utf-8"?>
+<p:sld xmlns:a="http://schemas.openxmlformats.org/drawingml/2006/main" xmlns:r="http://schemas.openxmlformats.org/officeDocument/2006/relationships" xmlns:p="http://schemas.openxmlformats.org/presentationml/2006/main">
+  <p:cSld>
+    <p:spTree>
+      <p:nvGrpSpPr>
+        <p:cNvPr id="1" name=""/>
+        <p:cNvGrpSpPr/>
+        <p:nvPr/>
+      </p:nvGrpSpPr>
+      <p:grpSpPr>
+        <a:xfrm>
+          <a:off x="0" y="0"/>
+          <a:ext cx="0" cy="0"/>
+          <a:chOff x="0" y="0"/>
+          <a:chExt cx="0" cy="0"/>
+        </a:xfrm>
+      </p:grpSpPr>
+      <p:sp>
+        <p:nvSpPr>
+          <p:cNvPr id="2" name="Title 1"/>
+          <p:cNvSpPr>
+            <a:spLocks noGrp="1"/>
+          </p:cNvSpPr>
+          <p:nvPr>
+            <p:ph type="title"/>
+          </p:nvPr>
+        </p:nvSpPr>
+        <p:spPr/>
+        <p:txBody>
+          <a:bodyPr/>
+          <a:lstStyle/>
+          <a:p>
+            <a:r>
+              <a:rPr lang="en-GB" dirty="0" smtClean="0"/>
+              <a:t>Example Problem Specs for Grains</a:t>
+            </a:r>
+            <a:endParaRPr lang="en-GB" dirty="0"/>
+          </a:p>
+        </p:txBody>
+      </p:sp>
+      <p:sp>
+        <p:nvSpPr>
+          <p:cNvPr id="4" name="Rectangle 3"/>
+          <p:cNvSpPr/>
+          <p:nvPr/>
+        </p:nvSpPr>
+        <p:spPr>
+          <a:xfrm>
+            <a:off x="0" y="1920758"/>
+            <a:ext cx="9144000" cy="3785651"/>
+          </a:xfrm>
+          <a:prstGeom prst="rect">
+            <a:avLst/>
+          </a:prstGeom>
+        </p:spPr>
+        <p:txBody>
+          <a:bodyPr wrap="square">
+            <a:spAutoFit/>
+          </a:bodyPr>
+          <a:lstStyle/>
+          <a:p>
+            <a:r>
+              <a:rPr lang="en-US" sz="1200" dirty="0" smtClean="0">
+                <a:latin typeface="Monaco"/>
+                <a:cs typeface="Monaco"/>
+              </a:rPr>
+              <a:t>  province    | </a:t>
+            </a:r>
+            <a:r>
+              <a:rPr lang="en-US" sz="1200" dirty="0" err="1" smtClean="0">
+                <a:latin typeface="Monaco"/>
+                <a:cs typeface="Monaco"/>
+              </a:rPr>
+              <a:t>ag_type</a:t>
+            </a:r>
+            <a:r>
+              <a:rPr lang="en-US" sz="1200" dirty="0" smtClean="0">
+                <a:latin typeface="Monaco"/>
+                <a:cs typeface="Monaco"/>
+              </a:rPr>
+              <a:t> |  hazard  | </a:t>
+            </a:r>
+            <a:r>
+              <a:rPr lang="en-US" sz="1200" dirty="0" err="1" smtClean="0">
+                <a:latin typeface="Monaco"/>
+                <a:cs typeface="Monaco"/>
+              </a:rPr>
+              <a:t>local_probspec</a:t>
+            </a:r>
+            <a:r>
+              <a:rPr lang="en-US" sz="1200" dirty="0" smtClean="0">
+                <a:latin typeface="Monaco"/>
+                <a:cs typeface="Monaco"/>
+              </a:rPr>
+              <a:t> | </a:t>
+            </a:r>
+            <a:r>
+              <a:rPr lang="en-US" sz="1200" dirty="0" err="1" smtClean="0">
+                <a:latin typeface="Monaco"/>
+                <a:cs typeface="Monaco"/>
+              </a:rPr>
+              <a:t>local_probspec</a:t>
+            </a:r>
+            <a:r>
+              <a:rPr lang="en-US" sz="1200" dirty="0" smtClean="0">
+                <a:latin typeface="Monaco"/>
+                <a:cs typeface="Monaco"/>
+              </a:rPr>
+              <a:t> | </a:t>
+            </a:r>
+            <a:r>
+              <a:rPr lang="en-US" sz="1200" dirty="0" err="1" smtClean="0">
+                <a:latin typeface="Monaco"/>
+                <a:cs typeface="Monaco"/>
+              </a:rPr>
+              <a:t>area_local</a:t>
+            </a:r>
+            <a:r>
+              <a:rPr lang="en-US" sz="1200" dirty="0" smtClean="0">
+                <a:latin typeface="Monaco"/>
+                <a:cs typeface="Monaco"/>
+              </a:rPr>
+              <a:t>  | </a:t>
+            </a:r>
+            <a:r>
+              <a:rPr lang="en-US" sz="1200" dirty="0" err="1" smtClean="0">
+                <a:latin typeface="Monaco"/>
+                <a:cs typeface="Monaco"/>
+              </a:rPr>
+              <a:t>area_total</a:t>
+            </a:r>
+            <a:endParaRPr lang="en-US" sz="1200" dirty="0" smtClean="0">
+              <a:latin typeface="Monaco"/>
+              <a:cs typeface="Monaco"/>
+            </a:endParaRPr>
+          </a:p>
+          <a:p>
+            <a:r>
+              <a:rPr lang="en-US" sz="1200" dirty="0" smtClean="0">
+                <a:latin typeface="Monaco"/>
+                <a:cs typeface="Monaco"/>
+              </a:rPr>
+              <a:t>---------------+---------+----------+----------------+----------------+-------------+-------------</a:t>
+            </a:r>
+          </a:p>
+          <a:p>
+            <a:r>
+              <a:rPr lang="en-US" sz="1200" dirty="0" smtClean="0">
+                <a:latin typeface="Monaco"/>
+                <a:cs typeface="Monaco"/>
+              </a:rPr>
+              <a:t> Eastern Cape  | Grains  | drought  | 54%            | 35%            |  1398441124 |  2885838187</a:t>
+            </a:r>
+          </a:p>
+          <a:p>
+            <a:r>
+              <a:rPr lang="en-US" sz="1200" dirty="0" smtClean="0">
+                <a:latin typeface="Monaco"/>
+                <a:cs typeface="Monaco"/>
+              </a:rPr>
+              <a:t> Eastern Cape  | Grains  | less dry | 54%            | 72%            |  1487397063 |  2885838187</a:t>
+            </a:r>
+          </a:p>
+          <a:p>
+            <a:r>
+              <a:rPr lang="en-US" sz="1200" dirty="0" smtClean="0">
+                <a:latin typeface="Monaco"/>
+                <a:cs typeface="Monaco"/>
+              </a:rPr>
+              <a:t> Free State    | Grains  | drought  | 42%            | 35%            | 68047449948 | 79877460698</a:t>
+            </a:r>
+          </a:p>
+          <a:p>
+            <a:r>
+              <a:rPr lang="en-US" sz="1200" dirty="0" smtClean="0">
+                <a:latin typeface="Monaco"/>
+                <a:cs typeface="Monaco"/>
+              </a:rPr>
+              <a:t> Free State    | Grains  | less dry | 42%            | 82%            | 11830010750 | 79877460698</a:t>
+            </a:r>
+          </a:p>
+          <a:p>
+            <a:r>
+              <a:rPr lang="en-US" sz="1200" dirty="0" smtClean="0">
+                <a:latin typeface="Monaco"/>
+                <a:cs typeface="Monaco"/>
+              </a:rPr>
+              <a:t> Gauteng       | Grains  | drought  | 56%            | 35%            |  1371549537 |  2710036181</a:t>
+            </a:r>
+          </a:p>
+          <a:p>
+            <a:r>
+              <a:rPr lang="en-US" sz="1200" dirty="0" smtClean="0">
+                <a:latin typeface="Monaco"/>
+                <a:cs typeface="Monaco"/>
+              </a:rPr>
+              <a:t> Gauteng       | Grains  | less dry | 56%            | 78%            |  1338486645 |  2710036181</a:t>
+            </a:r>
+          </a:p>
+          <a:p>
+            <a:r>
+              <a:rPr lang="en-US" sz="1200" dirty="0" smtClean="0">
+                <a:latin typeface="Monaco"/>
+                <a:cs typeface="Monaco"/>
+              </a:rPr>
+              <a:t> KwaZulu-Natal | Grains  | drought  | 75%            | 35%            |      195640 |     4918358</a:t>
+            </a:r>
+          </a:p>
+          <a:p>
+            <a:r>
+              <a:rPr lang="en-US" sz="1200" dirty="0" smtClean="0">
+                <a:latin typeface="Monaco"/>
+                <a:cs typeface="Monaco"/>
+              </a:rPr>
+              <a:t> KwaZulu-Natal | Grains  | less dry | 75%            | 77%            |     4722718 |     4918358</a:t>
+            </a:r>
+          </a:p>
+          <a:p>
+            <a:r>
+              <a:rPr lang="en-US" sz="1200" dirty="0" smtClean="0">
+                <a:latin typeface="Monaco"/>
+                <a:cs typeface="Monaco"/>
+              </a:rPr>
+              <a:t> Limpopo       | Grains  | drought  | 113%           | 35%            |  2850906266 | 10230620517</a:t>
+            </a:r>
+          </a:p>
+          <a:p>
+            <a:r>
+              <a:rPr lang="en-US" sz="1200" dirty="0" smtClean="0">
+                <a:latin typeface="Monaco"/>
+                <a:cs typeface="Monaco"/>
+              </a:rPr>
+              <a:t> Limpopo       | Grains  | less dry | 113%           | 143%           |  7379714251 | 10230620517</a:t>
+            </a:r>
+          </a:p>
+          <a:p>
+            <a:r>
+              <a:rPr lang="en-US" sz="1200" dirty="0" smtClean="0">
+                <a:latin typeface="Monaco"/>
+                <a:cs typeface="Monaco"/>
+              </a:rPr>
+              <a:t> Mpumalanga    | Grains  | drought  | 66%            | 35%            |  2877212423 | 29746559200</a:t>
+            </a:r>
+          </a:p>
+          <a:p>
+            <a:r>
+              <a:rPr lang="en-US" sz="1200" dirty="0" smtClean="0">
+                <a:latin typeface="Monaco"/>
+                <a:cs typeface="Monaco"/>
+              </a:rPr>
+              <a:t> Mpumalanga    | Grains  | less dry | 66%            | 69%            | 26869346777 | 29746559200</a:t>
+            </a:r>
+          </a:p>
+          <a:p>
+            <a:r>
+              <a:rPr lang="en-US" sz="1200" dirty="0" smtClean="0">
+                <a:latin typeface="Monaco"/>
+                <a:cs typeface="Monaco"/>
+              </a:rPr>
+              <a:t> North West    | Grains  | drought  | 59%            | 35%            | 30044157444 | 46400957667</a:t>
+            </a:r>
+          </a:p>
+          <a:p>
+            <a:r>
+              <a:rPr lang="en-US" sz="1200" dirty="0" smtClean="0">
+                <a:latin typeface="Monaco"/>
+                <a:cs typeface="Monaco"/>
+              </a:rPr>
+              <a:t> North West    | Grains  | less dry | 59%            | 103%           | 16356800223 | 46400957667</a:t>
+            </a:r>
+          </a:p>
+          <a:p>
+            <a:r>
+              <a:rPr lang="en-US" sz="1200" dirty="0" smtClean="0">
+                <a:latin typeface="Monaco"/>
+                <a:cs typeface="Monaco"/>
+              </a:rPr>
+              <a:t> Northern Cape | Grains  | drought  | 141%           | 35%            |      882984 |      969200</a:t>
+            </a:r>
+          </a:p>
+          <a:p>
+            <a:r>
+              <a:rPr lang="en-US" sz="1200" dirty="0" smtClean="0">
+                <a:latin typeface="Monaco"/>
+                <a:cs typeface="Monaco"/>
+              </a:rPr>
+              <a:t> Northern Cape | Grains  | less dry | 141%           | 1227%          |       86215 |      969200</a:t>
+            </a:r>
+          </a:p>
+          <a:p>
+            <a:r>
+              <a:rPr lang="en-US" sz="1200" dirty="0" smtClean="0">
+                <a:latin typeface="Monaco"/>
+                <a:cs typeface="Monaco"/>
+              </a:rPr>
+              <a:t> Western Cape  | Grains  | drought  | 167%           | 35%            |  5082279753 | 20977128675</a:t>
+            </a:r>
+          </a:p>
+          <a:p>
+            <a:r>
+              <a:rPr lang="en-US" sz="1200" dirty="0" smtClean="0">
+                <a:latin typeface="Monaco"/>
+                <a:cs typeface="Monaco"/>
+              </a:rPr>
+              <a:t> Western Cape  | Grains  | less dry | 167%           | 209%           | 15894848922 | 20977128675</a:t>
+            </a:r>
+            <a:endParaRPr lang="en-GB" sz="1200" dirty="0">
+              <a:latin typeface="Monaco"/>
+              <a:cs typeface="Monaco"/>
+            </a:endParaRPr>
+          </a:p>
+        </p:txBody>
+      </p:sp>
+    </p:spTree>
+    <p:extLst>
+      <p:ext uri="{BB962C8B-B14F-4D97-AF65-F5344CB8AC3E}">
+        <p14:creationId xmlns:p14="http://schemas.microsoft.com/office/powerpoint/2010/main" val="1886135667"/>
+      </p:ext>
+    </p:extLst>
+  </p:cSld>
+  <p:clrMapOvr>
+    <a:masterClrMapping/>
+  </p:clrMapOvr>
+</p:sld>
+</file>
+
+<file path=ppt/slides/slide22.xml><?xml version="1.0" encoding="utf-8"?>
+<p:sld xmlns:a="http://schemas.openxmlformats.org/drawingml/2006/main" xmlns:r="http://schemas.openxmlformats.org/officeDocument/2006/relationships" xmlns:p="http://schemas.openxmlformats.org/presentationml/2006/main">
+  <p:cSld>
+    <p:spTree>
+      <p:nvGrpSpPr>
+        <p:cNvPr id="1" name=""/>
+        <p:cNvGrpSpPr/>
+        <p:nvPr/>
+      </p:nvGrpSpPr>
+      <p:grpSpPr>
+        <a:xfrm>
+          <a:off x="0" y="0"/>
+          <a:ext cx="0" cy="0"/>
+          <a:chOff x="0" y="0"/>
+          <a:chExt cx="0" cy="0"/>
+        </a:xfrm>
+      </p:grpSpPr>
+      <p:sp>
+        <p:nvSpPr>
+          <p:cNvPr id="2" name="Title 1"/>
+          <p:cNvSpPr>
+            <a:spLocks noGrp="1"/>
+          </p:cNvSpPr>
+          <p:nvPr>
+            <p:ph type="title"/>
+          </p:nvPr>
+        </p:nvSpPr>
+        <p:spPr/>
+        <p:txBody>
+          <a:bodyPr/>
+          <a:lstStyle/>
+          <a:p>
+            <a:r>
+              <a:rPr lang="en-GB" dirty="0" smtClean="0"/>
+              <a:t>Prices</a:t>
+            </a:r>
+            <a:endParaRPr lang="en-GB" dirty="0"/>
+          </a:p>
+        </p:txBody>
+      </p:sp>
+      <p:sp>
+        <p:nvSpPr>
+          <p:cNvPr id="3" name="Content Placeholder 2"/>
+          <p:cNvSpPr>
+            <a:spLocks noGrp="1"/>
+          </p:cNvSpPr>
+          <p:nvPr>
+            <p:ph idx="1"/>
+          </p:nvPr>
+        </p:nvSpPr>
+        <p:spPr/>
+        <p:txBody>
+          <a:bodyPr/>
+          <a:lstStyle/>
+          <a:p>
+            <a:r>
+              <a:rPr lang="en-GB" dirty="0" smtClean="0"/>
+              <a:t>Price trends for many commodities </a:t>
+            </a:r>
+            <a:r>
+              <a:rPr lang="en-GB" smtClean="0"/>
+              <a:t>were considered</a:t>
+            </a:r>
+            <a:endParaRPr lang="en-GB"/>
+          </a:p>
+        </p:txBody>
+      </p:sp>
+    </p:spTree>
+    <p:extLst>
+      <p:ext uri="{BB962C8B-B14F-4D97-AF65-F5344CB8AC3E}">
+        <p14:creationId xmlns:p14="http://schemas.microsoft.com/office/powerpoint/2010/main" val="1698602704"/>
       </p:ext>
     </p:extLst>
   </p:cSld>

--- a/report/nofa_presentation-sadc.pptx
+++ b/report/nofa_presentation-sadc.pptx
@@ -5,7 +5,7 @@
     <p:sldMasterId id="2147483648" r:id="rId1"/>
   </p:sldMasterIdLst>
   <p:notesMasterIdLst>
-    <p:notesMasterId r:id="rId32"/>
+    <p:notesMasterId r:id="rId34"/>
   </p:notesMasterIdLst>
   <p:sldIdLst>
     <p:sldId id="256" r:id="rId2"/>
@@ -38,6 +38,8 @@
     <p:sldId id="283" r:id="rId29"/>
     <p:sldId id="284" r:id="rId30"/>
     <p:sldId id="285" r:id="rId31"/>
+    <p:sldId id="286" r:id="rId32"/>
+    <p:sldId id="287" r:id="rId33"/>
   </p:sldIdLst>
   <p:sldSz cx="9144000" cy="6858000" type="screen4x3"/>
   <p:notesSz cx="6858000" cy="9144000"/>
@@ -23908,6 +23910,199 @@
       </p:par>
     </p:tnLst>
   </p:timing>
+</p:sld>
+</file>
+
+<file path=ppt/slides/slide31.xml><?xml version="1.0" encoding="utf-8"?>
+<p:sld xmlns:a="http://schemas.openxmlformats.org/drawingml/2006/main" xmlns:r="http://schemas.openxmlformats.org/officeDocument/2006/relationships" xmlns:p="http://schemas.openxmlformats.org/presentationml/2006/main">
+  <p:cSld>
+    <p:spTree>
+      <p:nvGrpSpPr>
+        <p:cNvPr id="1" name=""/>
+        <p:cNvGrpSpPr/>
+        <p:nvPr/>
+      </p:nvGrpSpPr>
+      <p:grpSpPr>
+        <a:xfrm>
+          <a:off x="0" y="0"/>
+          <a:ext cx="0" cy="0"/>
+          <a:chOff x="0" y="0"/>
+          <a:chExt cx="0" cy="0"/>
+        </a:xfrm>
+      </p:grpSpPr>
+      <p:sp>
+        <p:nvSpPr>
+          <p:cNvPr id="2" name="Title 1"/>
+          <p:cNvSpPr>
+            <a:spLocks noGrp="1"/>
+          </p:cNvSpPr>
+          <p:nvPr>
+            <p:ph type="title"/>
+          </p:nvPr>
+        </p:nvSpPr>
+        <p:spPr>
+          <a:xfrm>
+            <a:off x="457200" y="7938"/>
+            <a:ext cx="8229600" cy="838669"/>
+          </a:xfrm>
+        </p:spPr>
+        <p:txBody>
+          <a:bodyPr/>
+          <a:lstStyle/>
+          <a:p>
+            <a:r>
+              <a:rPr lang="en-GB" dirty="0" smtClean="0"/>
+              <a:t>So how does it all add up?</a:t>
+            </a:r>
+            <a:endParaRPr lang="en-GB" dirty="0"/>
+          </a:p>
+        </p:txBody>
+      </p:sp>
+      <p:sp>
+        <p:nvSpPr>
+          <p:cNvPr id="3" name="Content Placeholder 2"/>
+          <p:cNvSpPr>
+            <a:spLocks noGrp="1"/>
+          </p:cNvSpPr>
+          <p:nvPr>
+            <p:ph idx="1"/>
+          </p:nvPr>
+        </p:nvSpPr>
+        <p:spPr>
+          <a:xfrm>
+            <a:off x="457200" y="846607"/>
+            <a:ext cx="8229600" cy="1028699"/>
+          </a:xfrm>
+        </p:spPr>
+        <p:txBody>
+          <a:bodyPr>
+            <a:normAutofit fontScale="77500" lnSpcReduction="20000"/>
+          </a:bodyPr>
+          <a:lstStyle/>
+          <a:p>
+            <a:pPr marL="0" indent="0">
+              <a:buNone/>
+            </a:pPr>
+            <a:r>
+              <a:rPr lang="en-GB" dirty="0" smtClean="0"/>
+              <a:t>The hazard and analysis can be overlaid onto the Enumeration small areas; populations and deficits can then be summed over the whole country</a:t>
+            </a:r>
+            <a:endParaRPr lang="en-GB" dirty="0"/>
+          </a:p>
+        </p:txBody>
+      </p:sp>
+      <p:pic>
+        <p:nvPicPr>
+          <p:cNvPr id="4" name="Picture 3" descr="hazard_sas_lo-res.png"/>
+          <p:cNvPicPr>
+            <a:picLocks noChangeAspect="1"/>
+          </p:cNvPicPr>
+          <p:nvPr/>
+        </p:nvPicPr>
+        <p:blipFill>
+          <a:blip r:embed="rId2">
+            <a:extLst>
+              <a:ext uri="{28A0092B-C50C-407E-A947-70E740481C1C}">
+                <a14:useLocalDpi xmlns:a14="http://schemas.microsoft.com/office/drawing/2010/main" val="0"/>
+              </a:ext>
+            </a:extLst>
+          </a:blip>
+          <a:stretch>
+            <a:fillRect/>
+          </a:stretch>
+        </p:blipFill>
+        <p:spPr>
+          <a:xfrm>
+            <a:off x="1003300" y="1875306"/>
+            <a:ext cx="6821477" cy="4715994"/>
+          </a:xfrm>
+          <a:prstGeom prst="rect">
+            <a:avLst/>
+          </a:prstGeom>
+        </p:spPr>
+      </p:pic>
+    </p:spTree>
+    <p:extLst>
+      <p:ext uri="{BB962C8B-B14F-4D97-AF65-F5344CB8AC3E}">
+        <p14:creationId xmlns:p14="http://schemas.microsoft.com/office/powerpoint/2010/main" val="2322921221"/>
+      </p:ext>
+    </p:extLst>
+  </p:cSld>
+  <p:clrMapOvr>
+    <a:masterClrMapping/>
+  </p:clrMapOvr>
+</p:sld>
+</file>
+
+<file path=ppt/slides/slide32.xml><?xml version="1.0" encoding="utf-8"?>
+<p:sld xmlns:a="http://schemas.openxmlformats.org/drawingml/2006/main" xmlns:r="http://schemas.openxmlformats.org/officeDocument/2006/relationships" xmlns:p="http://schemas.openxmlformats.org/presentationml/2006/main">
+  <p:cSld>
+    <p:spTree>
+      <p:nvGrpSpPr>
+        <p:cNvPr id="1" name=""/>
+        <p:cNvGrpSpPr/>
+        <p:nvPr/>
+      </p:nvGrpSpPr>
+      <p:grpSpPr>
+        <a:xfrm>
+          <a:off x="0" y="0"/>
+          <a:ext cx="0" cy="0"/>
+          <a:chOff x="0" y="0"/>
+          <a:chExt cx="0" cy="0"/>
+        </a:xfrm>
+      </p:grpSpPr>
+      <p:sp>
+        <p:nvSpPr>
+          <p:cNvPr id="2" name="Title 1"/>
+          <p:cNvSpPr>
+            <a:spLocks noGrp="1"/>
+          </p:cNvSpPr>
+          <p:nvPr>
+            <p:ph type="title"/>
+          </p:nvPr>
+        </p:nvSpPr>
+        <p:spPr/>
+        <p:txBody>
+          <a:bodyPr/>
+          <a:lstStyle/>
+          <a:p>
+            <a:r>
+              <a:rPr lang="en-GB" dirty="0" smtClean="0"/>
+              <a:t>Food Poverty Line Deficit Totals</a:t>
+            </a:r>
+            <a:endParaRPr lang="en-GB" dirty="0"/>
+          </a:p>
+        </p:txBody>
+      </p:sp>
+      <p:sp>
+        <p:nvSpPr>
+          <p:cNvPr id="3" name="Content Placeholder 2"/>
+          <p:cNvSpPr>
+            <a:spLocks noGrp="1"/>
+          </p:cNvSpPr>
+          <p:nvPr>
+            <p:ph idx="1"/>
+          </p:nvPr>
+        </p:nvSpPr>
+        <p:spPr/>
+        <p:txBody>
+          <a:bodyPr/>
+          <a:lstStyle/>
+          <a:p>
+            <a:endParaRPr lang="en-GB"/>
+          </a:p>
+        </p:txBody>
+      </p:sp>
+    </p:spTree>
+    <p:extLst>
+      <p:ext uri="{BB962C8B-B14F-4D97-AF65-F5344CB8AC3E}">
+        <p14:creationId xmlns:p14="http://schemas.microsoft.com/office/powerpoint/2010/main" val="785321966"/>
+      </p:ext>
+    </p:extLst>
+  </p:cSld>
+  <p:clrMapOvr>
+    <a:masterClrMapping/>
+  </p:clrMapOvr>
 </p:sld>
 </file>
 

--- a/report/nofa_presentation-sadc.pptx
+++ b/report/nofa_presentation-sadc.pptx
@@ -22751,13 +22751,13 @@
         </p:spPr>
         <p:txBody>
           <a:bodyPr>
-            <a:normAutofit fontScale="77500" lnSpcReduction="20000"/>
+            <a:normAutofit fontScale="70000" lnSpcReduction="20000"/>
           </a:bodyPr>
           <a:lstStyle/>
           <a:p>
             <a:r>
               <a:rPr lang="en-GB" dirty="0" smtClean="0"/>
-              <a:t>In order to inform policy, the SAVAC has base its outcomes in terms of the poverty lines defined by Statistics South Africa in it’s Income-Expenditure Surveys. There are</a:t>
+              <a:t>In order to inform policy, the SAVAC has base its outcomes in terms of the poverty lines defined by Statistics South Africa’s Income-Expenditure Surveys. There are</a:t>
             </a:r>
           </a:p>
           <a:p>
@@ -22784,7 +22784,29 @@
           <a:p>
             <a:r>
               <a:rPr lang="en-GB" dirty="0" smtClean="0"/>
-              <a:t>This is to enable comparison’s of SAVAC forecasts with other survey data;</a:t>
+              <a:t>This is:</a:t>
+            </a:r>
+          </a:p>
+          <a:p>
+            <a:pPr lvl="1"/>
+            <a:r>
+              <a:rPr lang="en-GB" dirty="0" smtClean="0"/>
+              <a:t>To enable comparison’s of SAVAC forecasts with other survey data;</a:t>
+            </a:r>
+          </a:p>
+          <a:p>
+            <a:pPr lvl="1"/>
+            <a:r>
+              <a:rPr lang="en-GB" dirty="0" smtClean="0"/>
+              <a:t>To link the VA with the National Development Plan objectives – </a:t>
+            </a:r>
+            <a:r>
+              <a:rPr lang="en-GB" b="1" dirty="0" smtClean="0">
+                <a:solidFill>
+                  <a:srgbClr val="008000"/>
+                </a:solidFill>
+              </a:rPr>
+              <a:t>impact on policy</a:t>
             </a:r>
           </a:p>
           <a:p>
@@ -24074,25 +24096,1550 @@
           </a:p>
         </p:txBody>
       </p:sp>
-      <p:sp>
-        <p:nvSpPr>
-          <p:cNvPr id="3" name="Content Placeholder 2"/>
-          <p:cNvSpPr>
-            <a:spLocks noGrp="1"/>
-          </p:cNvSpPr>
+      <p:graphicFrame>
+        <p:nvGraphicFramePr>
+          <p:cNvPr id="4" name="Content Placeholder 3"/>
+          <p:cNvGraphicFramePr>
+            <a:graphicFrameLocks noGrp="1"/>
+          </p:cNvGraphicFramePr>
           <p:nvPr>
             <p:ph idx="1"/>
+            <p:extLst>
+              <p:ext uri="{D42A27DB-BD31-4B8C-83A1-F6EECF244321}">
+                <p14:modId xmlns:p14="http://schemas.microsoft.com/office/powerpoint/2010/main" val="3429198035"/>
+              </p:ext>
+            </p:extLst>
           </p:nvPr>
-        </p:nvSpPr>
-        <p:spPr/>
-        <p:txBody>
-          <a:bodyPr/>
-          <a:lstStyle/>
-          <a:p>
-            <a:endParaRPr lang="en-GB"/>
-          </a:p>
-        </p:txBody>
-      </p:sp>
+        </p:nvGraphicFramePr>
+        <p:xfrm>
+          <a:off x="1028700" y="1470815"/>
+          <a:ext cx="7061200" cy="4688684"/>
+        </p:xfrm>
+        <a:graphic>
+          <a:graphicData uri="http://schemas.openxmlformats.org/drawingml/2006/table">
+            <a:tbl>
+              <a:tblPr/>
+              <a:tblGrid>
+                <a:gridCol w="2045313"/>
+                <a:gridCol w="2654037"/>
+                <a:gridCol w="2361850"/>
+              </a:tblGrid>
+              <a:tr h="426244">
+                <a:tc>
+                  <a:txBody>
+                    <a:bodyPr/>
+                    <a:lstStyle/>
+                    <a:p>
+                      <a:pPr algn="l" fontAlgn="b"/>
+                      <a:r>
+                        <a:rPr lang="en-US" sz="2400" b="0" i="0" u="none" strike="noStrike">
+                          <a:solidFill>
+                            <a:srgbClr val="FFFFFF"/>
+                          </a:solidFill>
+                          <a:effectLst/>
+                          <a:latin typeface="Helvetica Neue Light"/>
+                        </a:rPr>
+                        <a:t>Row Labels</a:t>
+                      </a:r>
+                    </a:p>
+                  </a:txBody>
+                  <a:tcPr marL="12700" marR="12700" marT="12700" marB="0" anchor="b">
+                    <a:lnL>
+                      <a:noFill/>
+                    </a:lnL>
+                    <a:lnR>
+                      <a:noFill/>
+                    </a:lnR>
+                    <a:lnT w="6350" cap="flat" cmpd="sng" algn="ctr">
+                      <a:solidFill>
+                        <a:srgbClr val="76933C"/>
+                      </a:solidFill>
+                      <a:prstDash val="solid"/>
+                      <a:round/>
+                      <a:headEnd type="none" w="med" len="med"/>
+                      <a:tailEnd type="none" w="med" len="med"/>
+                    </a:lnT>
+                    <a:lnB w="6350" cap="flat" cmpd="sng" algn="ctr">
+                      <a:solidFill>
+                        <a:srgbClr val="EBF1DE"/>
+                      </a:solidFill>
+                      <a:prstDash val="solid"/>
+                      <a:round/>
+                      <a:headEnd type="none" w="med" len="med"/>
+                      <a:tailEnd type="none" w="med" len="med"/>
+                    </a:lnB>
+                    <a:solidFill>
+                      <a:srgbClr val="76933C"/>
+                    </a:solidFill>
+                  </a:tcPr>
+                </a:tc>
+                <a:tc>
+                  <a:txBody>
+                    <a:bodyPr/>
+                    <a:lstStyle/>
+                    <a:p>
+                      <a:pPr algn="r" fontAlgn="b"/>
+                      <a:r>
+                        <a:rPr lang="en-US" sz="2400" b="0" i="0" u="none" strike="noStrike" dirty="0" err="1" smtClean="0">
+                          <a:solidFill>
+                            <a:srgbClr val="FFFFFF"/>
+                          </a:solidFill>
+                          <a:effectLst/>
+                          <a:latin typeface="Helvetica Neue Light"/>
+                        </a:rPr>
+                        <a:t>pop_fpl_def</a:t>
+                      </a:r>
+                      <a:endParaRPr lang="en-US" sz="2400" b="0" i="0" u="none" strike="noStrike" dirty="0">
+                        <a:solidFill>
+                          <a:srgbClr val="FFFFFF"/>
+                        </a:solidFill>
+                        <a:effectLst/>
+                        <a:latin typeface="Helvetica Neue Light"/>
+                      </a:endParaRPr>
+                    </a:p>
+                  </a:txBody>
+                  <a:tcPr marL="12700" marR="12700" marT="12700" marB="0" anchor="b">
+                    <a:lnL>
+                      <a:noFill/>
+                    </a:lnL>
+                    <a:lnR>
+                      <a:noFill/>
+                    </a:lnR>
+                    <a:lnT w="6350" cap="flat" cmpd="sng" algn="ctr">
+                      <a:solidFill>
+                        <a:srgbClr val="76933C"/>
+                      </a:solidFill>
+                      <a:prstDash val="solid"/>
+                      <a:round/>
+                      <a:headEnd type="none" w="med" len="med"/>
+                      <a:tailEnd type="none" w="med" len="med"/>
+                    </a:lnT>
+                    <a:lnB w="6350" cap="flat" cmpd="sng" algn="ctr">
+                      <a:solidFill>
+                        <a:srgbClr val="EBF1DE"/>
+                      </a:solidFill>
+                      <a:prstDash val="solid"/>
+                      <a:round/>
+                      <a:headEnd type="none" w="med" len="med"/>
+                      <a:tailEnd type="none" w="med" len="med"/>
+                    </a:lnB>
+                    <a:solidFill>
+                      <a:srgbClr val="76933C"/>
+                    </a:solidFill>
+                  </a:tcPr>
+                </a:tc>
+                <a:tc>
+                  <a:txBody>
+                    <a:bodyPr/>
+                    <a:lstStyle/>
+                    <a:p>
+                      <a:pPr algn="r" fontAlgn="b"/>
+                      <a:r>
+                        <a:rPr lang="en-US" sz="2400" b="0" i="0" u="none" strike="noStrike" dirty="0" err="1" smtClean="0">
+                          <a:solidFill>
+                            <a:srgbClr val="FFFFFF"/>
+                          </a:solidFill>
+                          <a:effectLst/>
+                          <a:latin typeface="Helvetica Neue Light"/>
+                        </a:rPr>
+                        <a:t>fpl_deficit</a:t>
+                      </a:r>
+                      <a:endParaRPr lang="en-US" sz="2400" b="0" i="0" u="none" strike="noStrike" dirty="0">
+                        <a:solidFill>
+                          <a:srgbClr val="FFFFFF"/>
+                        </a:solidFill>
+                        <a:effectLst/>
+                        <a:latin typeface="Helvetica Neue Light"/>
+                      </a:endParaRPr>
+                    </a:p>
+                  </a:txBody>
+                  <a:tcPr marL="12700" marR="12700" marT="12700" marB="0" anchor="b">
+                    <a:lnL>
+                      <a:noFill/>
+                    </a:lnL>
+                    <a:lnR>
+                      <a:noFill/>
+                    </a:lnR>
+                    <a:lnT w="6350" cap="flat" cmpd="sng" algn="ctr">
+                      <a:solidFill>
+                        <a:srgbClr val="76933C"/>
+                      </a:solidFill>
+                      <a:prstDash val="solid"/>
+                      <a:round/>
+                      <a:headEnd type="none" w="med" len="med"/>
+                      <a:tailEnd type="none" w="med" len="med"/>
+                    </a:lnT>
+                    <a:lnB w="6350" cap="flat" cmpd="sng" algn="ctr">
+                      <a:solidFill>
+                        <a:srgbClr val="EBF1DE"/>
+                      </a:solidFill>
+                      <a:prstDash val="solid"/>
+                      <a:round/>
+                      <a:headEnd type="none" w="med" len="med"/>
+                      <a:tailEnd type="none" w="med" len="med"/>
+                    </a:lnB>
+                    <a:solidFill>
+                      <a:srgbClr val="76933C"/>
+                    </a:solidFill>
+                  </a:tcPr>
+                </a:tc>
+              </a:tr>
+              <a:tr h="426244">
+                <a:tc>
+                  <a:txBody>
+                    <a:bodyPr/>
+                    <a:lstStyle/>
+                    <a:p>
+                      <a:pPr algn="l" fontAlgn="b"/>
+                      <a:r>
+                        <a:rPr lang="en-US" sz="2400" b="0" i="0" u="none" strike="noStrike">
+                          <a:solidFill>
+                            <a:srgbClr val="000000"/>
+                          </a:solidFill>
+                          <a:effectLst/>
+                          <a:latin typeface="Helvetica Neue Light"/>
+                        </a:rPr>
+                        <a:t>Eastern Cape</a:t>
+                      </a:r>
+                    </a:p>
+                  </a:txBody>
+                  <a:tcPr marL="12700" marR="12700" marT="12700" marB="0" anchor="b">
+                    <a:lnL>
+                      <a:noFill/>
+                    </a:lnL>
+                    <a:lnR>
+                      <a:noFill/>
+                    </a:lnR>
+                    <a:lnT w="6350" cap="flat" cmpd="sng" algn="ctr">
+                      <a:solidFill>
+                        <a:srgbClr val="EBF1DE"/>
+                      </a:solidFill>
+                      <a:prstDash val="solid"/>
+                      <a:round/>
+                      <a:headEnd type="none" w="med" len="med"/>
+                      <a:tailEnd type="none" w="med" len="med"/>
+                    </a:lnT>
+                    <a:lnB w="6350" cap="flat" cmpd="sng" algn="ctr">
+                      <a:solidFill>
+                        <a:srgbClr val="EBF1DE"/>
+                      </a:solidFill>
+                      <a:prstDash val="solid"/>
+                      <a:round/>
+                      <a:headEnd type="none" w="med" len="med"/>
+                      <a:tailEnd type="none" w="med" len="med"/>
+                    </a:lnB>
+                  </a:tcPr>
+                </a:tc>
+                <a:tc>
+                  <a:txBody>
+                    <a:bodyPr/>
+                    <a:lstStyle/>
+                    <a:p>
+                      <a:pPr algn="r" fontAlgn="b"/>
+                      <a:r>
+                        <a:rPr lang="cs-CZ" sz="2400" b="0" i="0" u="none" strike="noStrike">
+                          <a:solidFill>
+                            <a:srgbClr val="000000"/>
+                          </a:solidFill>
+                          <a:effectLst/>
+                          <a:latin typeface="Helvetica Neue Light"/>
+                        </a:rPr>
+                        <a:t> 521,889 </a:t>
+                      </a:r>
+                    </a:p>
+                  </a:txBody>
+                  <a:tcPr marL="12700" marR="12700" marT="12700" marB="0" anchor="b">
+                    <a:lnL>
+                      <a:noFill/>
+                    </a:lnL>
+                    <a:lnR>
+                      <a:noFill/>
+                    </a:lnR>
+                    <a:lnT w="6350" cap="flat" cmpd="sng" algn="ctr">
+                      <a:solidFill>
+                        <a:srgbClr val="EBF1DE"/>
+                      </a:solidFill>
+                      <a:prstDash val="solid"/>
+                      <a:round/>
+                      <a:headEnd type="none" w="med" len="med"/>
+                      <a:tailEnd type="none" w="med" len="med"/>
+                    </a:lnT>
+                    <a:lnB w="6350" cap="flat" cmpd="sng" algn="ctr">
+                      <a:solidFill>
+                        <a:srgbClr val="EBF1DE"/>
+                      </a:solidFill>
+                      <a:prstDash val="solid"/>
+                      <a:round/>
+                      <a:headEnd type="none" w="med" len="med"/>
+                      <a:tailEnd type="none" w="med" len="med"/>
+                    </a:lnB>
+                  </a:tcPr>
+                </a:tc>
+                <a:tc>
+                  <a:txBody>
+                    <a:bodyPr/>
+                    <a:lstStyle/>
+                    <a:p>
+                      <a:pPr algn="r" fontAlgn="b"/>
+                      <a:r>
+                        <a:rPr lang="is-IS" sz="2400" b="0" i="0" u="none" strike="noStrike">
+                          <a:solidFill>
+                            <a:srgbClr val="000000"/>
+                          </a:solidFill>
+                          <a:effectLst/>
+                          <a:latin typeface="Helvetica Neue Light"/>
+                        </a:rPr>
+                        <a:t> 992,476,678 </a:t>
+                      </a:r>
+                    </a:p>
+                  </a:txBody>
+                  <a:tcPr marL="12700" marR="12700" marT="12700" marB="0" anchor="b">
+                    <a:lnL>
+                      <a:noFill/>
+                    </a:lnL>
+                    <a:lnR>
+                      <a:noFill/>
+                    </a:lnR>
+                    <a:lnT w="6350" cap="flat" cmpd="sng" algn="ctr">
+                      <a:solidFill>
+                        <a:srgbClr val="EBF1DE"/>
+                      </a:solidFill>
+                      <a:prstDash val="solid"/>
+                      <a:round/>
+                      <a:headEnd type="none" w="med" len="med"/>
+                      <a:tailEnd type="none" w="med" len="med"/>
+                    </a:lnT>
+                    <a:lnB w="6350" cap="flat" cmpd="sng" algn="ctr">
+                      <a:solidFill>
+                        <a:srgbClr val="EBF1DE"/>
+                      </a:solidFill>
+                      <a:prstDash val="solid"/>
+                      <a:round/>
+                      <a:headEnd type="none" w="med" len="med"/>
+                      <a:tailEnd type="none" w="med" len="med"/>
+                    </a:lnB>
+                  </a:tcPr>
+                </a:tc>
+              </a:tr>
+              <a:tr h="426244">
+                <a:tc>
+                  <a:txBody>
+                    <a:bodyPr/>
+                    <a:lstStyle/>
+                    <a:p>
+                      <a:pPr algn="l" fontAlgn="b"/>
+                      <a:r>
+                        <a:rPr lang="en-US" sz="2400" b="0" i="0" u="none" strike="noStrike">
+                          <a:solidFill>
+                            <a:srgbClr val="000000"/>
+                          </a:solidFill>
+                          <a:effectLst/>
+                          <a:latin typeface="Helvetica Neue Light"/>
+                        </a:rPr>
+                        <a:t>Free State</a:t>
+                      </a:r>
+                    </a:p>
+                  </a:txBody>
+                  <a:tcPr marL="12700" marR="12700" marT="12700" marB="0" anchor="b">
+                    <a:lnL>
+                      <a:noFill/>
+                    </a:lnL>
+                    <a:lnR>
+                      <a:noFill/>
+                    </a:lnR>
+                    <a:lnT w="6350" cap="flat" cmpd="sng" algn="ctr">
+                      <a:solidFill>
+                        <a:srgbClr val="EBF1DE"/>
+                      </a:solidFill>
+                      <a:prstDash val="solid"/>
+                      <a:round/>
+                      <a:headEnd type="none" w="med" len="med"/>
+                      <a:tailEnd type="none" w="med" len="med"/>
+                    </a:lnT>
+                    <a:lnB w="6350" cap="flat" cmpd="sng" algn="ctr">
+                      <a:solidFill>
+                        <a:srgbClr val="EBF1DE"/>
+                      </a:solidFill>
+                      <a:prstDash val="solid"/>
+                      <a:round/>
+                      <a:headEnd type="none" w="med" len="med"/>
+                      <a:tailEnd type="none" w="med" len="med"/>
+                    </a:lnB>
+                  </a:tcPr>
+                </a:tc>
+                <a:tc>
+                  <a:txBody>
+                    <a:bodyPr/>
+                    <a:lstStyle/>
+                    <a:p>
+                      <a:pPr algn="r" fontAlgn="b"/>
+                      <a:r>
+                        <a:rPr lang="is-IS" sz="2400" b="0" i="0" u="none" strike="noStrike">
+                          <a:solidFill>
+                            <a:srgbClr val="000000"/>
+                          </a:solidFill>
+                          <a:effectLst/>
+                          <a:latin typeface="Helvetica Neue Light"/>
+                        </a:rPr>
+                        <a:t> 68,318 </a:t>
+                      </a:r>
+                    </a:p>
+                  </a:txBody>
+                  <a:tcPr marL="12700" marR="12700" marT="12700" marB="0" anchor="b">
+                    <a:lnL>
+                      <a:noFill/>
+                    </a:lnL>
+                    <a:lnR>
+                      <a:noFill/>
+                    </a:lnR>
+                    <a:lnT w="6350" cap="flat" cmpd="sng" algn="ctr">
+                      <a:solidFill>
+                        <a:srgbClr val="EBF1DE"/>
+                      </a:solidFill>
+                      <a:prstDash val="solid"/>
+                      <a:round/>
+                      <a:headEnd type="none" w="med" len="med"/>
+                      <a:tailEnd type="none" w="med" len="med"/>
+                    </a:lnT>
+                    <a:lnB w="6350" cap="flat" cmpd="sng" algn="ctr">
+                      <a:solidFill>
+                        <a:srgbClr val="EBF1DE"/>
+                      </a:solidFill>
+                      <a:prstDash val="solid"/>
+                      <a:round/>
+                      <a:headEnd type="none" w="med" len="med"/>
+                      <a:tailEnd type="none" w="med" len="med"/>
+                    </a:lnB>
+                  </a:tcPr>
+                </a:tc>
+                <a:tc>
+                  <a:txBody>
+                    <a:bodyPr/>
+                    <a:lstStyle/>
+                    <a:p>
+                      <a:pPr algn="r" fontAlgn="b"/>
+                      <a:r>
+                        <a:rPr lang="is-IS" sz="2400" b="0" i="0" u="none" strike="noStrike">
+                          <a:solidFill>
+                            <a:srgbClr val="000000"/>
+                          </a:solidFill>
+                          <a:effectLst/>
+                          <a:latin typeface="Helvetica Neue Light"/>
+                        </a:rPr>
+                        <a:t> 107,568,303 </a:t>
+                      </a:r>
+                    </a:p>
+                  </a:txBody>
+                  <a:tcPr marL="12700" marR="12700" marT="12700" marB="0" anchor="b">
+                    <a:lnL>
+                      <a:noFill/>
+                    </a:lnL>
+                    <a:lnR>
+                      <a:noFill/>
+                    </a:lnR>
+                    <a:lnT w="6350" cap="flat" cmpd="sng" algn="ctr">
+                      <a:solidFill>
+                        <a:srgbClr val="EBF1DE"/>
+                      </a:solidFill>
+                      <a:prstDash val="solid"/>
+                      <a:round/>
+                      <a:headEnd type="none" w="med" len="med"/>
+                      <a:tailEnd type="none" w="med" len="med"/>
+                    </a:lnT>
+                    <a:lnB w="6350" cap="flat" cmpd="sng" algn="ctr">
+                      <a:solidFill>
+                        <a:srgbClr val="EBF1DE"/>
+                      </a:solidFill>
+                      <a:prstDash val="solid"/>
+                      <a:round/>
+                      <a:headEnd type="none" w="med" len="med"/>
+                      <a:tailEnd type="none" w="med" len="med"/>
+                    </a:lnB>
+                  </a:tcPr>
+                </a:tc>
+              </a:tr>
+              <a:tr h="426244">
+                <a:tc>
+                  <a:txBody>
+                    <a:bodyPr/>
+                    <a:lstStyle/>
+                    <a:p>
+                      <a:pPr algn="l" fontAlgn="b"/>
+                      <a:r>
+                        <a:rPr lang="en-US" sz="2400" b="0" i="0" u="none" strike="noStrike">
+                          <a:solidFill>
+                            <a:srgbClr val="000000"/>
+                          </a:solidFill>
+                          <a:effectLst/>
+                          <a:latin typeface="Helvetica Neue Light"/>
+                        </a:rPr>
+                        <a:t>Gauteng</a:t>
+                      </a:r>
+                    </a:p>
+                  </a:txBody>
+                  <a:tcPr marL="12700" marR="12700" marT="12700" marB="0" anchor="b">
+                    <a:lnL>
+                      <a:noFill/>
+                    </a:lnL>
+                    <a:lnR>
+                      <a:noFill/>
+                    </a:lnR>
+                    <a:lnT w="6350" cap="flat" cmpd="sng" algn="ctr">
+                      <a:solidFill>
+                        <a:srgbClr val="EBF1DE"/>
+                      </a:solidFill>
+                      <a:prstDash val="solid"/>
+                      <a:round/>
+                      <a:headEnd type="none" w="med" len="med"/>
+                      <a:tailEnd type="none" w="med" len="med"/>
+                    </a:lnT>
+                    <a:lnB w="6350" cap="flat" cmpd="sng" algn="ctr">
+                      <a:solidFill>
+                        <a:srgbClr val="EBF1DE"/>
+                      </a:solidFill>
+                      <a:prstDash val="solid"/>
+                      <a:round/>
+                      <a:headEnd type="none" w="med" len="med"/>
+                      <a:tailEnd type="none" w="med" len="med"/>
+                    </a:lnB>
+                  </a:tcPr>
+                </a:tc>
+                <a:tc>
+                  <a:txBody>
+                    <a:bodyPr/>
+                    <a:lstStyle/>
+                    <a:p>
+                      <a:pPr algn="r" fontAlgn="b"/>
+                      <a:r>
+                        <a:rPr lang="fi-FI" sz="2400" b="0" i="0" u="none" strike="noStrike">
+                          <a:solidFill>
+                            <a:srgbClr val="000000"/>
+                          </a:solidFill>
+                          <a:effectLst/>
+                          <a:latin typeface="Helvetica Neue Light"/>
+                        </a:rPr>
+                        <a:t> 18,136 </a:t>
+                      </a:r>
+                    </a:p>
+                  </a:txBody>
+                  <a:tcPr marL="12700" marR="12700" marT="12700" marB="0" anchor="b">
+                    <a:lnL>
+                      <a:noFill/>
+                    </a:lnL>
+                    <a:lnR>
+                      <a:noFill/>
+                    </a:lnR>
+                    <a:lnT w="6350" cap="flat" cmpd="sng" algn="ctr">
+                      <a:solidFill>
+                        <a:srgbClr val="EBF1DE"/>
+                      </a:solidFill>
+                      <a:prstDash val="solid"/>
+                      <a:round/>
+                      <a:headEnd type="none" w="med" len="med"/>
+                      <a:tailEnd type="none" w="med" len="med"/>
+                    </a:lnT>
+                    <a:lnB w="6350" cap="flat" cmpd="sng" algn="ctr">
+                      <a:solidFill>
+                        <a:srgbClr val="EBF1DE"/>
+                      </a:solidFill>
+                      <a:prstDash val="solid"/>
+                      <a:round/>
+                      <a:headEnd type="none" w="med" len="med"/>
+                      <a:tailEnd type="none" w="med" len="med"/>
+                    </a:lnB>
+                  </a:tcPr>
+                </a:tc>
+                <a:tc>
+                  <a:txBody>
+                    <a:bodyPr/>
+                    <a:lstStyle/>
+                    <a:p>
+                      <a:pPr algn="r" fontAlgn="b"/>
+                      <a:r>
+                        <a:rPr lang="fi-FI" sz="2400" b="0" i="0" u="none" strike="noStrike">
+                          <a:solidFill>
+                            <a:srgbClr val="000000"/>
+                          </a:solidFill>
+                          <a:effectLst/>
+                          <a:latin typeface="Helvetica Neue Light"/>
+                        </a:rPr>
+                        <a:t> 21,791,592 </a:t>
+                      </a:r>
+                    </a:p>
+                  </a:txBody>
+                  <a:tcPr marL="12700" marR="12700" marT="12700" marB="0" anchor="b">
+                    <a:lnL>
+                      <a:noFill/>
+                    </a:lnL>
+                    <a:lnR>
+                      <a:noFill/>
+                    </a:lnR>
+                    <a:lnT w="6350" cap="flat" cmpd="sng" algn="ctr">
+                      <a:solidFill>
+                        <a:srgbClr val="EBF1DE"/>
+                      </a:solidFill>
+                      <a:prstDash val="solid"/>
+                      <a:round/>
+                      <a:headEnd type="none" w="med" len="med"/>
+                      <a:tailEnd type="none" w="med" len="med"/>
+                    </a:lnT>
+                    <a:lnB w="6350" cap="flat" cmpd="sng" algn="ctr">
+                      <a:solidFill>
+                        <a:srgbClr val="EBF1DE"/>
+                      </a:solidFill>
+                      <a:prstDash val="solid"/>
+                      <a:round/>
+                      <a:headEnd type="none" w="med" len="med"/>
+                      <a:tailEnd type="none" w="med" len="med"/>
+                    </a:lnB>
+                  </a:tcPr>
+                </a:tc>
+              </a:tr>
+              <a:tr h="426244">
+                <a:tc>
+                  <a:txBody>
+                    <a:bodyPr/>
+                    <a:lstStyle/>
+                    <a:p>
+                      <a:pPr algn="l" fontAlgn="b"/>
+                      <a:r>
+                        <a:rPr lang="en-US" sz="2400" b="0" i="0" u="none" strike="noStrike">
+                          <a:solidFill>
+                            <a:srgbClr val="000000"/>
+                          </a:solidFill>
+                          <a:effectLst/>
+                          <a:latin typeface="Helvetica Neue Light"/>
+                        </a:rPr>
+                        <a:t>KwaZulu-Natal</a:t>
+                      </a:r>
+                    </a:p>
+                  </a:txBody>
+                  <a:tcPr marL="12700" marR="12700" marT="12700" marB="0" anchor="b">
+                    <a:lnL>
+                      <a:noFill/>
+                    </a:lnL>
+                    <a:lnR>
+                      <a:noFill/>
+                    </a:lnR>
+                    <a:lnT w="6350" cap="flat" cmpd="sng" algn="ctr">
+                      <a:solidFill>
+                        <a:srgbClr val="EBF1DE"/>
+                      </a:solidFill>
+                      <a:prstDash val="solid"/>
+                      <a:round/>
+                      <a:headEnd type="none" w="med" len="med"/>
+                      <a:tailEnd type="none" w="med" len="med"/>
+                    </a:lnT>
+                    <a:lnB w="6350" cap="flat" cmpd="sng" algn="ctr">
+                      <a:solidFill>
+                        <a:srgbClr val="EBF1DE"/>
+                      </a:solidFill>
+                      <a:prstDash val="solid"/>
+                      <a:round/>
+                      <a:headEnd type="none" w="med" len="med"/>
+                      <a:tailEnd type="none" w="med" len="med"/>
+                    </a:lnB>
+                  </a:tcPr>
+                </a:tc>
+                <a:tc>
+                  <a:txBody>
+                    <a:bodyPr/>
+                    <a:lstStyle/>
+                    <a:p>
+                      <a:pPr algn="r" fontAlgn="b"/>
+                      <a:r>
+                        <a:rPr lang="is-IS" sz="2400" b="0" i="0" u="none" strike="noStrike">
+                          <a:solidFill>
+                            <a:srgbClr val="000000"/>
+                          </a:solidFill>
+                          <a:effectLst/>
+                          <a:latin typeface="Helvetica Neue Light"/>
+                        </a:rPr>
+                        <a:t> 1,626,157 </a:t>
+                      </a:r>
+                    </a:p>
+                  </a:txBody>
+                  <a:tcPr marL="12700" marR="12700" marT="12700" marB="0" anchor="b">
+                    <a:lnL>
+                      <a:noFill/>
+                    </a:lnL>
+                    <a:lnR>
+                      <a:noFill/>
+                    </a:lnR>
+                    <a:lnT w="6350" cap="flat" cmpd="sng" algn="ctr">
+                      <a:solidFill>
+                        <a:srgbClr val="EBF1DE"/>
+                      </a:solidFill>
+                      <a:prstDash val="solid"/>
+                      <a:round/>
+                      <a:headEnd type="none" w="med" len="med"/>
+                      <a:tailEnd type="none" w="med" len="med"/>
+                    </a:lnT>
+                    <a:lnB w="6350" cap="flat" cmpd="sng" algn="ctr">
+                      <a:solidFill>
+                        <a:srgbClr val="EBF1DE"/>
+                      </a:solidFill>
+                      <a:prstDash val="solid"/>
+                      <a:round/>
+                      <a:headEnd type="none" w="med" len="med"/>
+                      <a:tailEnd type="none" w="med" len="med"/>
+                    </a:lnB>
+                  </a:tcPr>
+                </a:tc>
+                <a:tc>
+                  <a:txBody>
+                    <a:bodyPr/>
+                    <a:lstStyle/>
+                    <a:p>
+                      <a:pPr algn="r" fontAlgn="b"/>
+                      <a:r>
+                        <a:rPr lang="cs-CZ" sz="2400" b="0" i="0" u="none" strike="noStrike">
+                          <a:solidFill>
+                            <a:srgbClr val="000000"/>
+                          </a:solidFill>
+                          <a:effectLst/>
+                          <a:latin typeface="Helvetica Neue Light"/>
+                        </a:rPr>
+                        <a:t> 2,753,551,121 </a:t>
+                      </a:r>
+                    </a:p>
+                  </a:txBody>
+                  <a:tcPr marL="12700" marR="12700" marT="12700" marB="0" anchor="b">
+                    <a:lnL>
+                      <a:noFill/>
+                    </a:lnL>
+                    <a:lnR>
+                      <a:noFill/>
+                    </a:lnR>
+                    <a:lnT w="6350" cap="flat" cmpd="sng" algn="ctr">
+                      <a:solidFill>
+                        <a:srgbClr val="EBF1DE"/>
+                      </a:solidFill>
+                      <a:prstDash val="solid"/>
+                      <a:round/>
+                      <a:headEnd type="none" w="med" len="med"/>
+                      <a:tailEnd type="none" w="med" len="med"/>
+                    </a:lnT>
+                    <a:lnB w="6350" cap="flat" cmpd="sng" algn="ctr">
+                      <a:solidFill>
+                        <a:srgbClr val="EBF1DE"/>
+                      </a:solidFill>
+                      <a:prstDash val="solid"/>
+                      <a:round/>
+                      <a:headEnd type="none" w="med" len="med"/>
+                      <a:tailEnd type="none" w="med" len="med"/>
+                    </a:lnB>
+                  </a:tcPr>
+                </a:tc>
+              </a:tr>
+              <a:tr h="426244">
+                <a:tc>
+                  <a:txBody>
+                    <a:bodyPr/>
+                    <a:lstStyle/>
+                    <a:p>
+                      <a:pPr algn="l" fontAlgn="b"/>
+                      <a:r>
+                        <a:rPr lang="en-US" sz="2400" b="0" i="0" u="none" strike="noStrike">
+                          <a:solidFill>
+                            <a:srgbClr val="000000"/>
+                          </a:solidFill>
+                          <a:effectLst/>
+                          <a:latin typeface="Helvetica Neue Light"/>
+                        </a:rPr>
+                        <a:t>Limpopo</a:t>
+                      </a:r>
+                    </a:p>
+                  </a:txBody>
+                  <a:tcPr marL="12700" marR="12700" marT="12700" marB="0" anchor="b">
+                    <a:lnL>
+                      <a:noFill/>
+                    </a:lnL>
+                    <a:lnR>
+                      <a:noFill/>
+                    </a:lnR>
+                    <a:lnT w="6350" cap="flat" cmpd="sng" algn="ctr">
+                      <a:solidFill>
+                        <a:srgbClr val="EBF1DE"/>
+                      </a:solidFill>
+                      <a:prstDash val="solid"/>
+                      <a:round/>
+                      <a:headEnd type="none" w="med" len="med"/>
+                      <a:tailEnd type="none" w="med" len="med"/>
+                    </a:lnT>
+                    <a:lnB w="6350" cap="flat" cmpd="sng" algn="ctr">
+                      <a:solidFill>
+                        <a:srgbClr val="EBF1DE"/>
+                      </a:solidFill>
+                      <a:prstDash val="solid"/>
+                      <a:round/>
+                      <a:headEnd type="none" w="med" len="med"/>
+                      <a:tailEnd type="none" w="med" len="med"/>
+                    </a:lnB>
+                  </a:tcPr>
+                </a:tc>
+                <a:tc>
+                  <a:txBody>
+                    <a:bodyPr/>
+                    <a:lstStyle/>
+                    <a:p>
+                      <a:pPr algn="r" fontAlgn="b"/>
+                      <a:r>
+                        <a:rPr lang="fi-FI" sz="2400" b="0" i="0" u="none" strike="noStrike">
+                          <a:solidFill>
+                            <a:srgbClr val="000000"/>
+                          </a:solidFill>
+                          <a:effectLst/>
+                          <a:latin typeface="Helvetica Neue Light"/>
+                        </a:rPr>
+                        <a:t> 467,766 </a:t>
+                      </a:r>
+                    </a:p>
+                  </a:txBody>
+                  <a:tcPr marL="12700" marR="12700" marT="12700" marB="0" anchor="b">
+                    <a:lnL>
+                      <a:noFill/>
+                    </a:lnL>
+                    <a:lnR>
+                      <a:noFill/>
+                    </a:lnR>
+                    <a:lnT w="6350" cap="flat" cmpd="sng" algn="ctr">
+                      <a:solidFill>
+                        <a:srgbClr val="EBF1DE"/>
+                      </a:solidFill>
+                      <a:prstDash val="solid"/>
+                      <a:round/>
+                      <a:headEnd type="none" w="med" len="med"/>
+                      <a:tailEnd type="none" w="med" len="med"/>
+                    </a:lnT>
+                    <a:lnB w="6350" cap="flat" cmpd="sng" algn="ctr">
+                      <a:solidFill>
+                        <a:srgbClr val="EBF1DE"/>
+                      </a:solidFill>
+                      <a:prstDash val="solid"/>
+                      <a:round/>
+                      <a:headEnd type="none" w="med" len="med"/>
+                      <a:tailEnd type="none" w="med" len="med"/>
+                    </a:lnB>
+                  </a:tcPr>
+                </a:tc>
+                <a:tc>
+                  <a:txBody>
+                    <a:bodyPr/>
+                    <a:lstStyle/>
+                    <a:p>
+                      <a:pPr algn="r" fontAlgn="b"/>
+                      <a:r>
+                        <a:rPr lang="is-IS" sz="2400" b="0" i="0" u="none" strike="noStrike">
+                          <a:solidFill>
+                            <a:srgbClr val="000000"/>
+                          </a:solidFill>
+                          <a:effectLst/>
+                          <a:latin typeface="Helvetica Neue Light"/>
+                        </a:rPr>
+                        <a:t> 1,037,630,165 </a:t>
+                      </a:r>
+                    </a:p>
+                  </a:txBody>
+                  <a:tcPr marL="12700" marR="12700" marT="12700" marB="0" anchor="b">
+                    <a:lnL>
+                      <a:noFill/>
+                    </a:lnL>
+                    <a:lnR>
+                      <a:noFill/>
+                    </a:lnR>
+                    <a:lnT w="6350" cap="flat" cmpd="sng" algn="ctr">
+                      <a:solidFill>
+                        <a:srgbClr val="EBF1DE"/>
+                      </a:solidFill>
+                      <a:prstDash val="solid"/>
+                      <a:round/>
+                      <a:headEnd type="none" w="med" len="med"/>
+                      <a:tailEnd type="none" w="med" len="med"/>
+                    </a:lnT>
+                    <a:lnB w="6350" cap="flat" cmpd="sng" algn="ctr">
+                      <a:solidFill>
+                        <a:srgbClr val="EBF1DE"/>
+                      </a:solidFill>
+                      <a:prstDash val="solid"/>
+                      <a:round/>
+                      <a:headEnd type="none" w="med" len="med"/>
+                      <a:tailEnd type="none" w="med" len="med"/>
+                    </a:lnB>
+                  </a:tcPr>
+                </a:tc>
+              </a:tr>
+              <a:tr h="426244">
+                <a:tc>
+                  <a:txBody>
+                    <a:bodyPr/>
+                    <a:lstStyle/>
+                    <a:p>
+                      <a:pPr algn="l" fontAlgn="b"/>
+                      <a:r>
+                        <a:rPr lang="en-US" sz="2400" b="0" i="0" u="none" strike="noStrike">
+                          <a:solidFill>
+                            <a:srgbClr val="000000"/>
+                          </a:solidFill>
+                          <a:effectLst/>
+                          <a:latin typeface="Helvetica Neue Light"/>
+                        </a:rPr>
+                        <a:t>Mpumalanga</a:t>
+                      </a:r>
+                    </a:p>
+                  </a:txBody>
+                  <a:tcPr marL="12700" marR="12700" marT="12700" marB="0" anchor="b">
+                    <a:lnL>
+                      <a:noFill/>
+                    </a:lnL>
+                    <a:lnR>
+                      <a:noFill/>
+                    </a:lnR>
+                    <a:lnT w="6350" cap="flat" cmpd="sng" algn="ctr">
+                      <a:solidFill>
+                        <a:srgbClr val="EBF1DE"/>
+                      </a:solidFill>
+                      <a:prstDash val="solid"/>
+                      <a:round/>
+                      <a:headEnd type="none" w="med" len="med"/>
+                      <a:tailEnd type="none" w="med" len="med"/>
+                    </a:lnT>
+                    <a:lnB w="6350" cap="flat" cmpd="sng" algn="ctr">
+                      <a:solidFill>
+                        <a:srgbClr val="EBF1DE"/>
+                      </a:solidFill>
+                      <a:prstDash val="solid"/>
+                      <a:round/>
+                      <a:headEnd type="none" w="med" len="med"/>
+                      <a:tailEnd type="none" w="med" len="med"/>
+                    </a:lnB>
+                  </a:tcPr>
+                </a:tc>
+                <a:tc>
+                  <a:txBody>
+                    <a:bodyPr/>
+                    <a:lstStyle/>
+                    <a:p>
+                      <a:pPr algn="r" fontAlgn="b"/>
+                      <a:r>
+                        <a:rPr lang="is-IS" sz="2400" b="0" i="0" u="none" strike="noStrike">
+                          <a:solidFill>
+                            <a:srgbClr val="000000"/>
+                          </a:solidFill>
+                          <a:effectLst/>
+                          <a:latin typeface="Helvetica Neue Light"/>
+                        </a:rPr>
+                        <a:t> 314,481 </a:t>
+                      </a:r>
+                    </a:p>
+                  </a:txBody>
+                  <a:tcPr marL="12700" marR="12700" marT="12700" marB="0" anchor="b">
+                    <a:lnL>
+                      <a:noFill/>
+                    </a:lnL>
+                    <a:lnR>
+                      <a:noFill/>
+                    </a:lnR>
+                    <a:lnT w="6350" cap="flat" cmpd="sng" algn="ctr">
+                      <a:solidFill>
+                        <a:srgbClr val="EBF1DE"/>
+                      </a:solidFill>
+                      <a:prstDash val="solid"/>
+                      <a:round/>
+                      <a:headEnd type="none" w="med" len="med"/>
+                      <a:tailEnd type="none" w="med" len="med"/>
+                    </a:lnT>
+                    <a:lnB w="6350" cap="flat" cmpd="sng" algn="ctr">
+                      <a:solidFill>
+                        <a:srgbClr val="EBF1DE"/>
+                      </a:solidFill>
+                      <a:prstDash val="solid"/>
+                      <a:round/>
+                      <a:headEnd type="none" w="med" len="med"/>
+                      <a:tailEnd type="none" w="med" len="med"/>
+                    </a:lnB>
+                  </a:tcPr>
+                </a:tc>
+                <a:tc>
+                  <a:txBody>
+                    <a:bodyPr/>
+                    <a:lstStyle/>
+                    <a:p>
+                      <a:pPr algn="r" fontAlgn="b"/>
+                      <a:r>
+                        <a:rPr lang="is-IS" sz="2400" b="0" i="0" u="none" strike="noStrike">
+                          <a:solidFill>
+                            <a:srgbClr val="000000"/>
+                          </a:solidFill>
+                          <a:effectLst/>
+                          <a:latin typeface="Helvetica Neue Light"/>
+                        </a:rPr>
+                        <a:t> 618,120,122 </a:t>
+                      </a:r>
+                    </a:p>
+                  </a:txBody>
+                  <a:tcPr marL="12700" marR="12700" marT="12700" marB="0" anchor="b">
+                    <a:lnL>
+                      <a:noFill/>
+                    </a:lnL>
+                    <a:lnR>
+                      <a:noFill/>
+                    </a:lnR>
+                    <a:lnT w="6350" cap="flat" cmpd="sng" algn="ctr">
+                      <a:solidFill>
+                        <a:srgbClr val="EBF1DE"/>
+                      </a:solidFill>
+                      <a:prstDash val="solid"/>
+                      <a:round/>
+                      <a:headEnd type="none" w="med" len="med"/>
+                      <a:tailEnd type="none" w="med" len="med"/>
+                    </a:lnT>
+                    <a:lnB w="6350" cap="flat" cmpd="sng" algn="ctr">
+                      <a:solidFill>
+                        <a:srgbClr val="EBF1DE"/>
+                      </a:solidFill>
+                      <a:prstDash val="solid"/>
+                      <a:round/>
+                      <a:headEnd type="none" w="med" len="med"/>
+                      <a:tailEnd type="none" w="med" len="med"/>
+                    </a:lnB>
+                  </a:tcPr>
+                </a:tc>
+              </a:tr>
+              <a:tr h="426244">
+                <a:tc>
+                  <a:txBody>
+                    <a:bodyPr/>
+                    <a:lstStyle/>
+                    <a:p>
+                      <a:pPr algn="l" fontAlgn="b"/>
+                      <a:r>
+                        <a:rPr lang="en-US" sz="2400" b="0" i="0" u="none" strike="noStrike">
+                          <a:solidFill>
+                            <a:srgbClr val="000000"/>
+                          </a:solidFill>
+                          <a:effectLst/>
+                          <a:latin typeface="Helvetica Neue Light"/>
+                        </a:rPr>
+                        <a:t>North West</a:t>
+                      </a:r>
+                    </a:p>
+                  </a:txBody>
+                  <a:tcPr marL="12700" marR="12700" marT="12700" marB="0" anchor="b">
+                    <a:lnL>
+                      <a:noFill/>
+                    </a:lnL>
+                    <a:lnR>
+                      <a:noFill/>
+                    </a:lnR>
+                    <a:lnT w="6350" cap="flat" cmpd="sng" algn="ctr">
+                      <a:solidFill>
+                        <a:srgbClr val="EBF1DE"/>
+                      </a:solidFill>
+                      <a:prstDash val="solid"/>
+                      <a:round/>
+                      <a:headEnd type="none" w="med" len="med"/>
+                      <a:tailEnd type="none" w="med" len="med"/>
+                    </a:lnT>
+                    <a:lnB w="6350" cap="flat" cmpd="sng" algn="ctr">
+                      <a:solidFill>
+                        <a:srgbClr val="EBF1DE"/>
+                      </a:solidFill>
+                      <a:prstDash val="solid"/>
+                      <a:round/>
+                      <a:headEnd type="none" w="med" len="med"/>
+                      <a:tailEnd type="none" w="med" len="med"/>
+                    </a:lnB>
+                  </a:tcPr>
+                </a:tc>
+                <a:tc>
+                  <a:txBody>
+                    <a:bodyPr/>
+                    <a:lstStyle/>
+                    <a:p>
+                      <a:pPr algn="r" fontAlgn="b"/>
+                      <a:r>
+                        <a:rPr lang="is-IS" sz="2400" b="0" i="0" u="none" strike="noStrike">
+                          <a:solidFill>
+                            <a:srgbClr val="000000"/>
+                          </a:solidFill>
+                          <a:effectLst/>
+                          <a:latin typeface="Helvetica Neue Light"/>
+                        </a:rPr>
+                        <a:t> 291,624 </a:t>
+                      </a:r>
+                    </a:p>
+                  </a:txBody>
+                  <a:tcPr marL="12700" marR="12700" marT="12700" marB="0" anchor="b">
+                    <a:lnL>
+                      <a:noFill/>
+                    </a:lnL>
+                    <a:lnR>
+                      <a:noFill/>
+                    </a:lnR>
+                    <a:lnT w="6350" cap="flat" cmpd="sng" algn="ctr">
+                      <a:solidFill>
+                        <a:srgbClr val="EBF1DE"/>
+                      </a:solidFill>
+                      <a:prstDash val="solid"/>
+                      <a:round/>
+                      <a:headEnd type="none" w="med" len="med"/>
+                      <a:tailEnd type="none" w="med" len="med"/>
+                    </a:lnT>
+                    <a:lnB w="6350" cap="flat" cmpd="sng" algn="ctr">
+                      <a:solidFill>
+                        <a:srgbClr val="EBF1DE"/>
+                      </a:solidFill>
+                      <a:prstDash val="solid"/>
+                      <a:round/>
+                      <a:headEnd type="none" w="med" len="med"/>
+                      <a:tailEnd type="none" w="med" len="med"/>
+                    </a:lnB>
+                  </a:tcPr>
+                </a:tc>
+                <a:tc>
+                  <a:txBody>
+                    <a:bodyPr/>
+                    <a:lstStyle/>
+                    <a:p>
+                      <a:pPr algn="r" fontAlgn="b"/>
+                      <a:r>
+                        <a:rPr lang="fi-FI" sz="2400" b="0" i="0" u="none" strike="noStrike">
+                          <a:solidFill>
+                            <a:srgbClr val="000000"/>
+                          </a:solidFill>
+                          <a:effectLst/>
+                          <a:latin typeface="Helvetica Neue Light"/>
+                        </a:rPr>
+                        <a:t> 596,371,762 </a:t>
+                      </a:r>
+                    </a:p>
+                  </a:txBody>
+                  <a:tcPr marL="12700" marR="12700" marT="12700" marB="0" anchor="b">
+                    <a:lnL>
+                      <a:noFill/>
+                    </a:lnL>
+                    <a:lnR>
+                      <a:noFill/>
+                    </a:lnR>
+                    <a:lnT w="6350" cap="flat" cmpd="sng" algn="ctr">
+                      <a:solidFill>
+                        <a:srgbClr val="EBF1DE"/>
+                      </a:solidFill>
+                      <a:prstDash val="solid"/>
+                      <a:round/>
+                      <a:headEnd type="none" w="med" len="med"/>
+                      <a:tailEnd type="none" w="med" len="med"/>
+                    </a:lnT>
+                    <a:lnB w="6350" cap="flat" cmpd="sng" algn="ctr">
+                      <a:solidFill>
+                        <a:srgbClr val="EBF1DE"/>
+                      </a:solidFill>
+                      <a:prstDash val="solid"/>
+                      <a:round/>
+                      <a:headEnd type="none" w="med" len="med"/>
+                      <a:tailEnd type="none" w="med" len="med"/>
+                    </a:lnB>
+                  </a:tcPr>
+                </a:tc>
+              </a:tr>
+              <a:tr h="426244">
+                <a:tc>
+                  <a:txBody>
+                    <a:bodyPr/>
+                    <a:lstStyle/>
+                    <a:p>
+                      <a:pPr algn="l" fontAlgn="b"/>
+                      <a:r>
+                        <a:rPr lang="en-US" sz="2400" b="0" i="0" u="none" strike="noStrike">
+                          <a:solidFill>
+                            <a:srgbClr val="000000"/>
+                          </a:solidFill>
+                          <a:effectLst/>
+                          <a:latin typeface="Helvetica Neue Light"/>
+                        </a:rPr>
+                        <a:t>Northern Cape</a:t>
+                      </a:r>
+                    </a:p>
+                  </a:txBody>
+                  <a:tcPr marL="12700" marR="12700" marT="12700" marB="0" anchor="b">
+                    <a:lnL>
+                      <a:noFill/>
+                    </a:lnL>
+                    <a:lnR>
+                      <a:noFill/>
+                    </a:lnR>
+                    <a:lnT w="6350" cap="flat" cmpd="sng" algn="ctr">
+                      <a:solidFill>
+                        <a:srgbClr val="EBF1DE"/>
+                      </a:solidFill>
+                      <a:prstDash val="solid"/>
+                      <a:round/>
+                      <a:headEnd type="none" w="med" len="med"/>
+                      <a:tailEnd type="none" w="med" len="med"/>
+                    </a:lnT>
+                    <a:lnB w="6350" cap="flat" cmpd="sng" algn="ctr">
+                      <a:solidFill>
+                        <a:srgbClr val="EBF1DE"/>
+                      </a:solidFill>
+                      <a:prstDash val="solid"/>
+                      <a:round/>
+                      <a:headEnd type="none" w="med" len="med"/>
+                      <a:tailEnd type="none" w="med" len="med"/>
+                    </a:lnB>
+                  </a:tcPr>
+                </a:tc>
+                <a:tc>
+                  <a:txBody>
+                    <a:bodyPr/>
+                    <a:lstStyle/>
+                    <a:p>
+                      <a:pPr algn="r" fontAlgn="b"/>
+                      <a:r>
+                        <a:rPr lang="uk-UA" sz="2400" b="0" i="0" u="none" strike="noStrike">
+                          <a:solidFill>
+                            <a:srgbClr val="000000"/>
+                          </a:solidFill>
+                          <a:effectLst/>
+                          <a:latin typeface="Helvetica Neue Light"/>
+                        </a:rPr>
+                        <a:t> 177,314 </a:t>
+                      </a:r>
+                    </a:p>
+                  </a:txBody>
+                  <a:tcPr marL="12700" marR="12700" marT="12700" marB="0" anchor="b">
+                    <a:lnL>
+                      <a:noFill/>
+                    </a:lnL>
+                    <a:lnR>
+                      <a:noFill/>
+                    </a:lnR>
+                    <a:lnT w="6350" cap="flat" cmpd="sng" algn="ctr">
+                      <a:solidFill>
+                        <a:srgbClr val="EBF1DE"/>
+                      </a:solidFill>
+                      <a:prstDash val="solid"/>
+                      <a:round/>
+                      <a:headEnd type="none" w="med" len="med"/>
+                      <a:tailEnd type="none" w="med" len="med"/>
+                    </a:lnT>
+                    <a:lnB w="6350" cap="flat" cmpd="sng" algn="ctr">
+                      <a:solidFill>
+                        <a:srgbClr val="EBF1DE"/>
+                      </a:solidFill>
+                      <a:prstDash val="solid"/>
+                      <a:round/>
+                      <a:headEnd type="none" w="med" len="med"/>
+                      <a:tailEnd type="none" w="med" len="med"/>
+                    </a:lnB>
+                  </a:tcPr>
+                </a:tc>
+                <a:tc>
+                  <a:txBody>
+                    <a:bodyPr/>
+                    <a:lstStyle/>
+                    <a:p>
+                      <a:pPr algn="r" fontAlgn="b"/>
+                      <a:r>
+                        <a:rPr lang="fi-FI" sz="2400" b="0" i="0" u="none" strike="noStrike">
+                          <a:solidFill>
+                            <a:srgbClr val="000000"/>
+                          </a:solidFill>
+                          <a:effectLst/>
+                          <a:latin typeface="Helvetica Neue Light"/>
+                        </a:rPr>
+                        <a:t> 234,940,381 </a:t>
+                      </a:r>
+                    </a:p>
+                  </a:txBody>
+                  <a:tcPr marL="12700" marR="12700" marT="12700" marB="0" anchor="b">
+                    <a:lnL>
+                      <a:noFill/>
+                    </a:lnL>
+                    <a:lnR>
+                      <a:noFill/>
+                    </a:lnR>
+                    <a:lnT w="6350" cap="flat" cmpd="sng" algn="ctr">
+                      <a:solidFill>
+                        <a:srgbClr val="EBF1DE"/>
+                      </a:solidFill>
+                      <a:prstDash val="solid"/>
+                      <a:round/>
+                      <a:headEnd type="none" w="med" len="med"/>
+                      <a:tailEnd type="none" w="med" len="med"/>
+                    </a:lnT>
+                    <a:lnB w="6350" cap="flat" cmpd="sng" algn="ctr">
+                      <a:solidFill>
+                        <a:srgbClr val="EBF1DE"/>
+                      </a:solidFill>
+                      <a:prstDash val="solid"/>
+                      <a:round/>
+                      <a:headEnd type="none" w="med" len="med"/>
+                      <a:tailEnd type="none" w="med" len="med"/>
+                    </a:lnB>
+                  </a:tcPr>
+                </a:tc>
+              </a:tr>
+              <a:tr h="426244">
+                <a:tc>
+                  <a:txBody>
+                    <a:bodyPr/>
+                    <a:lstStyle/>
+                    <a:p>
+                      <a:pPr algn="l" fontAlgn="b"/>
+                      <a:r>
+                        <a:rPr lang="en-US" sz="2400" b="0" i="0" u="none" strike="noStrike">
+                          <a:solidFill>
+                            <a:srgbClr val="000000"/>
+                          </a:solidFill>
+                          <a:effectLst/>
+                          <a:latin typeface="Helvetica Neue Light"/>
+                        </a:rPr>
+                        <a:t>Western Cape</a:t>
+                      </a:r>
+                    </a:p>
+                  </a:txBody>
+                  <a:tcPr marL="12700" marR="12700" marT="12700" marB="0" anchor="b">
+                    <a:lnL>
+                      <a:noFill/>
+                    </a:lnL>
+                    <a:lnR>
+                      <a:noFill/>
+                    </a:lnR>
+                    <a:lnT w="6350" cap="flat" cmpd="sng" algn="ctr">
+                      <a:solidFill>
+                        <a:srgbClr val="EBF1DE"/>
+                      </a:solidFill>
+                      <a:prstDash val="solid"/>
+                      <a:round/>
+                      <a:headEnd type="none" w="med" len="med"/>
+                      <a:tailEnd type="none" w="med" len="med"/>
+                    </a:lnT>
+                    <a:lnB w="25400" cap="flat" cmpd="dbl" algn="ctr">
+                      <a:solidFill>
+                        <a:srgbClr val="76933C"/>
+                      </a:solidFill>
+                      <a:prstDash val="solid"/>
+                      <a:round/>
+                      <a:headEnd type="none" w="med" len="med"/>
+                      <a:tailEnd type="none" w="med" len="med"/>
+                    </a:lnB>
+                  </a:tcPr>
+                </a:tc>
+                <a:tc>
+                  <a:txBody>
+                    <a:bodyPr/>
+                    <a:lstStyle/>
+                    <a:p>
+                      <a:pPr algn="r" fontAlgn="b"/>
+                      <a:r>
+                        <a:rPr lang="fi-FI" sz="2400" b="0" i="0" u="none" strike="noStrike">
+                          <a:solidFill>
+                            <a:srgbClr val="000000"/>
+                          </a:solidFill>
+                          <a:effectLst/>
+                          <a:latin typeface="Helvetica Neue Light"/>
+                        </a:rPr>
+                        <a:t> 53,957 </a:t>
+                      </a:r>
+                    </a:p>
+                  </a:txBody>
+                  <a:tcPr marL="12700" marR="12700" marT="12700" marB="0" anchor="b">
+                    <a:lnL>
+                      <a:noFill/>
+                    </a:lnL>
+                    <a:lnR>
+                      <a:noFill/>
+                    </a:lnR>
+                    <a:lnT w="6350" cap="flat" cmpd="sng" algn="ctr">
+                      <a:solidFill>
+                        <a:srgbClr val="EBF1DE"/>
+                      </a:solidFill>
+                      <a:prstDash val="solid"/>
+                      <a:round/>
+                      <a:headEnd type="none" w="med" len="med"/>
+                      <a:tailEnd type="none" w="med" len="med"/>
+                    </a:lnT>
+                    <a:lnB w="25400" cap="flat" cmpd="dbl" algn="ctr">
+                      <a:solidFill>
+                        <a:srgbClr val="76933C"/>
+                      </a:solidFill>
+                      <a:prstDash val="solid"/>
+                      <a:round/>
+                      <a:headEnd type="none" w="med" len="med"/>
+                      <a:tailEnd type="none" w="med" len="med"/>
+                    </a:lnB>
+                  </a:tcPr>
+                </a:tc>
+                <a:tc>
+                  <a:txBody>
+                    <a:bodyPr/>
+                    <a:lstStyle/>
+                    <a:p>
+                      <a:pPr algn="r" fontAlgn="b"/>
+                      <a:r>
+                        <a:rPr lang="fi-FI" sz="2400" b="0" i="0" u="none" strike="noStrike">
+                          <a:solidFill>
+                            <a:srgbClr val="000000"/>
+                          </a:solidFill>
+                          <a:effectLst/>
+                          <a:latin typeface="Helvetica Neue Light"/>
+                        </a:rPr>
+                        <a:t> 51,460,699 </a:t>
+                      </a:r>
+                    </a:p>
+                  </a:txBody>
+                  <a:tcPr marL="12700" marR="12700" marT="12700" marB="0" anchor="b">
+                    <a:lnL>
+                      <a:noFill/>
+                    </a:lnL>
+                    <a:lnR>
+                      <a:noFill/>
+                    </a:lnR>
+                    <a:lnT w="6350" cap="flat" cmpd="sng" algn="ctr">
+                      <a:solidFill>
+                        <a:srgbClr val="EBF1DE"/>
+                      </a:solidFill>
+                      <a:prstDash val="solid"/>
+                      <a:round/>
+                      <a:headEnd type="none" w="med" len="med"/>
+                      <a:tailEnd type="none" w="med" len="med"/>
+                    </a:lnT>
+                    <a:lnB w="25400" cap="flat" cmpd="dbl" algn="ctr">
+                      <a:solidFill>
+                        <a:srgbClr val="76933C"/>
+                      </a:solidFill>
+                      <a:prstDash val="solid"/>
+                      <a:round/>
+                      <a:headEnd type="none" w="med" len="med"/>
+                      <a:tailEnd type="none" w="med" len="med"/>
+                    </a:lnB>
+                  </a:tcPr>
+                </a:tc>
+              </a:tr>
+              <a:tr h="426244">
+                <a:tc>
+                  <a:txBody>
+                    <a:bodyPr/>
+                    <a:lstStyle/>
+                    <a:p>
+                      <a:pPr algn="l" fontAlgn="b"/>
+                      <a:r>
+                        <a:rPr lang="en-US" sz="2400" b="1" i="0" u="none" strike="noStrike">
+                          <a:solidFill>
+                            <a:srgbClr val="000000"/>
+                          </a:solidFill>
+                          <a:effectLst/>
+                          <a:latin typeface="Helvetica Neue Light"/>
+                        </a:rPr>
+                        <a:t>Grand Total</a:t>
+                      </a:r>
+                    </a:p>
+                  </a:txBody>
+                  <a:tcPr marL="12700" marR="12700" marT="12700" marB="0" anchor="b">
+                    <a:lnL>
+                      <a:noFill/>
+                    </a:lnL>
+                    <a:lnR>
+                      <a:noFill/>
+                    </a:lnR>
+                    <a:lnT w="25400" cap="flat" cmpd="dbl" algn="ctr">
+                      <a:solidFill>
+                        <a:srgbClr val="76933C"/>
+                      </a:solidFill>
+                      <a:prstDash val="solid"/>
+                      <a:round/>
+                      <a:headEnd type="none" w="med" len="med"/>
+                      <a:tailEnd type="none" w="med" len="med"/>
+                    </a:lnT>
+                    <a:lnB>
+                      <a:noFill/>
+                    </a:lnB>
+                  </a:tcPr>
+                </a:tc>
+                <a:tc>
+                  <a:txBody>
+                    <a:bodyPr/>
+                    <a:lstStyle/>
+                    <a:p>
+                      <a:pPr algn="r" fontAlgn="b"/>
+                      <a:r>
+                        <a:rPr lang="cs-CZ" sz="2400" b="1" i="0" u="none" strike="noStrike">
+                          <a:solidFill>
+                            <a:srgbClr val="000000"/>
+                          </a:solidFill>
+                          <a:effectLst/>
+                          <a:latin typeface="Helvetica Neue Light"/>
+                        </a:rPr>
+                        <a:t> 3,539,642 </a:t>
+                      </a:r>
+                    </a:p>
+                  </a:txBody>
+                  <a:tcPr marL="12700" marR="12700" marT="12700" marB="0" anchor="b">
+                    <a:lnL>
+                      <a:noFill/>
+                    </a:lnL>
+                    <a:lnR>
+                      <a:noFill/>
+                    </a:lnR>
+                    <a:lnT w="25400" cap="flat" cmpd="dbl" algn="ctr">
+                      <a:solidFill>
+                        <a:srgbClr val="76933C"/>
+                      </a:solidFill>
+                      <a:prstDash val="solid"/>
+                      <a:round/>
+                      <a:headEnd type="none" w="med" len="med"/>
+                      <a:tailEnd type="none" w="med" len="med"/>
+                    </a:lnT>
+                    <a:lnB>
+                      <a:noFill/>
+                    </a:lnB>
+                  </a:tcPr>
+                </a:tc>
+                <a:tc>
+                  <a:txBody>
+                    <a:bodyPr/>
+                    <a:lstStyle/>
+                    <a:p>
+                      <a:pPr algn="r" fontAlgn="b"/>
+                      <a:r>
+                        <a:rPr lang="fi-FI" sz="2400" b="1" i="0" u="none" strike="noStrike" dirty="0">
+                          <a:solidFill>
+                            <a:srgbClr val="000000"/>
+                          </a:solidFill>
+                          <a:effectLst/>
+                          <a:latin typeface="Helvetica Neue Light"/>
+                        </a:rPr>
+                        <a:t> 6,413,910,824 </a:t>
+                      </a:r>
+                    </a:p>
+                  </a:txBody>
+                  <a:tcPr marL="12700" marR="12700" marT="12700" marB="0" anchor="b">
+                    <a:lnL>
+                      <a:noFill/>
+                    </a:lnL>
+                    <a:lnR>
+                      <a:noFill/>
+                    </a:lnR>
+                    <a:lnT w="25400" cap="flat" cmpd="dbl" algn="ctr">
+                      <a:solidFill>
+                        <a:srgbClr val="76933C"/>
+                      </a:solidFill>
+                      <a:prstDash val="solid"/>
+                      <a:round/>
+                      <a:headEnd type="none" w="med" len="med"/>
+                      <a:tailEnd type="none" w="med" len="med"/>
+                    </a:lnT>
+                    <a:lnB>
+                      <a:noFill/>
+                    </a:lnB>
+                  </a:tcPr>
+                </a:tc>
+              </a:tr>
+            </a:tbl>
+          </a:graphicData>
+        </a:graphic>
+      </p:graphicFrame>
     </p:spTree>
     <p:extLst>
       <p:ext uri="{BB962C8B-B14F-4D97-AF65-F5344CB8AC3E}">

--- a/report/nofa_presentation-sadc.pptx
+++ b/report/nofa_presentation-sadc.pptx
@@ -5,7 +5,7 @@
     <p:sldMasterId id="2147483648" r:id="rId1"/>
   </p:sldMasterIdLst>
   <p:notesMasterIdLst>
-    <p:notesMasterId r:id="rId34"/>
+    <p:notesMasterId r:id="rId35"/>
   </p:notesMasterIdLst>
   <p:sldIdLst>
     <p:sldId id="256" r:id="rId2"/>
@@ -40,6 +40,7 @@
     <p:sldId id="285" r:id="rId31"/>
     <p:sldId id="286" r:id="rId32"/>
     <p:sldId id="287" r:id="rId33"/>
+    <p:sldId id="288" r:id="rId34"/>
   </p:sldIdLst>
   <p:sldSz cx="9144000" cy="6858000" type="screen4x3"/>
   <p:notesSz cx="6858000" cy="9144000"/>
@@ -24106,7 +24107,7 @@
             <p:ph idx="1"/>
             <p:extLst>
               <p:ext uri="{D42A27DB-BD31-4B8C-83A1-F6EECF244321}">
-                <p14:modId xmlns:p14="http://schemas.microsoft.com/office/powerpoint/2010/main" val="3429198035"/>
+                <p14:modId xmlns:p14="http://schemas.microsoft.com/office/powerpoint/2010/main" val="3122368624"/>
               </p:ext>
             </p:extLst>
           </p:nvPr>
@@ -24120,8 +24121,8 @@
             <a:tbl>
               <a:tblPr/>
               <a:tblGrid>
-                <a:gridCol w="2045313"/>
-                <a:gridCol w="2654037"/>
+                <a:gridCol w="2527300"/>
+                <a:gridCol w="2172050"/>
                 <a:gridCol w="2361850"/>
               </a:tblGrid>
               <a:tr h="426244">
@@ -24132,62 +24133,14 @@
                     <a:p>
                       <a:pPr algn="l" fontAlgn="b"/>
                       <a:r>
-                        <a:rPr lang="en-US" sz="2400" b="0" i="0" u="none" strike="noStrike">
+                        <a:rPr lang="en-US" sz="2400" b="0" i="0" u="none" strike="noStrike" dirty="0" smtClean="0">
                           <a:solidFill>
                             <a:srgbClr val="FFFFFF"/>
                           </a:solidFill>
                           <a:effectLst/>
                           <a:latin typeface="Helvetica Neue Light"/>
                         </a:rPr>
-                        <a:t>Row Labels</a:t>
-                      </a:r>
-                    </a:p>
-                  </a:txBody>
-                  <a:tcPr marL="12700" marR="12700" marT="12700" marB="0" anchor="b">
-                    <a:lnL>
-                      <a:noFill/>
-                    </a:lnL>
-                    <a:lnR>
-                      <a:noFill/>
-                    </a:lnR>
-                    <a:lnT w="6350" cap="flat" cmpd="sng" algn="ctr">
-                      <a:solidFill>
-                        <a:srgbClr val="76933C"/>
-                      </a:solidFill>
-                      <a:prstDash val="solid"/>
-                      <a:round/>
-                      <a:headEnd type="none" w="med" len="med"/>
-                      <a:tailEnd type="none" w="med" len="med"/>
-                    </a:lnT>
-                    <a:lnB w="6350" cap="flat" cmpd="sng" algn="ctr">
-                      <a:solidFill>
-                        <a:srgbClr val="EBF1DE"/>
-                      </a:solidFill>
-                      <a:prstDash val="solid"/>
-                      <a:round/>
-                      <a:headEnd type="none" w="med" len="med"/>
-                      <a:tailEnd type="none" w="med" len="med"/>
-                    </a:lnB>
-                    <a:solidFill>
-                      <a:srgbClr val="76933C"/>
-                    </a:solidFill>
-                  </a:tcPr>
-                </a:tc>
-                <a:tc>
-                  <a:txBody>
-                    <a:bodyPr/>
-                    <a:lstStyle/>
-                    <a:p>
-                      <a:pPr algn="r" fontAlgn="b"/>
-                      <a:r>
-                        <a:rPr lang="en-US" sz="2400" b="0" i="0" u="none" strike="noStrike" dirty="0" err="1" smtClean="0">
-                          <a:solidFill>
-                            <a:srgbClr val="FFFFFF"/>
-                          </a:solidFill>
-                          <a:effectLst/>
-                          <a:latin typeface="Helvetica Neue Light"/>
-                        </a:rPr>
-                        <a:t>pop_fpl_def</a:t>
+                        <a:t>Province</a:t>
                       </a:r>
                       <a:endParaRPr lang="en-US" sz="2400" b="0" i="0" u="none" strike="noStrike" dirty="0">
                         <a:solidFill>
@@ -24235,14 +24188,69 @@
                     <a:p>
                       <a:pPr algn="r" fontAlgn="b"/>
                       <a:r>
-                        <a:rPr lang="en-US" sz="2400" b="0" i="0" u="none" strike="noStrike" dirty="0" err="1" smtClean="0">
+                        <a:rPr lang="en-US" sz="2400" b="0" i="0" u="none" strike="noStrike" dirty="0" smtClean="0">
                           <a:solidFill>
                             <a:srgbClr val="FFFFFF"/>
                           </a:solidFill>
                           <a:effectLst/>
                           <a:latin typeface="Helvetica Neue Light"/>
                         </a:rPr>
-                        <a:t>fpl_deficit</a:t>
+                        <a:t>Pop at Risk</a:t>
+                      </a:r>
+                      <a:endParaRPr lang="en-US" sz="2400" b="0" i="0" u="none" strike="noStrike" dirty="0">
+                        <a:solidFill>
+                          <a:srgbClr val="FFFFFF"/>
+                        </a:solidFill>
+                        <a:effectLst/>
+                        <a:latin typeface="Helvetica Neue Light"/>
+                      </a:endParaRPr>
+                    </a:p>
+                  </a:txBody>
+                  <a:tcPr marL="12700" marR="12700" marT="12700" marB="0" anchor="b">
+                    <a:lnL>
+                      <a:noFill/>
+                    </a:lnL>
+                    <a:lnR>
+                      <a:noFill/>
+                    </a:lnR>
+                    <a:lnT w="6350" cap="flat" cmpd="sng" algn="ctr">
+                      <a:solidFill>
+                        <a:srgbClr val="76933C"/>
+                      </a:solidFill>
+                      <a:prstDash val="solid"/>
+                      <a:round/>
+                      <a:headEnd type="none" w="med" len="med"/>
+                      <a:tailEnd type="none" w="med" len="med"/>
+                    </a:lnT>
+                    <a:lnB w="6350" cap="flat" cmpd="sng" algn="ctr">
+                      <a:solidFill>
+                        <a:srgbClr val="EBF1DE"/>
+                      </a:solidFill>
+                      <a:prstDash val="solid"/>
+                      <a:round/>
+                      <a:headEnd type="none" w="med" len="med"/>
+                      <a:tailEnd type="none" w="med" len="med"/>
+                    </a:lnB>
+                    <a:solidFill>
+                      <a:srgbClr val="76933C"/>
+                    </a:solidFill>
+                  </a:tcPr>
+                </a:tc>
+                <a:tc>
+                  <a:txBody>
+                    <a:bodyPr/>
+                    <a:lstStyle/>
+                    <a:p>
+                      <a:pPr algn="r" fontAlgn="b"/>
+                      <a:r>
+                        <a:rPr lang="en-US" sz="2400" b="0" i="0" u="none" strike="noStrike" dirty="0" smtClean="0">
+                          <a:solidFill>
+                            <a:srgbClr val="FFFFFF"/>
+                          </a:solidFill>
+                          <a:effectLst/>
+                          <a:latin typeface="Helvetica Neue Light"/>
+                        </a:rPr>
+                        <a:t>FPL Deficit</a:t>
                       </a:r>
                       <a:endParaRPr lang="en-US" sz="2400" b="0" i="0" u="none" strike="noStrike" dirty="0">
                         <a:solidFill>
@@ -25653,6 +25661,1610 @@
 </p:sld>
 </file>
 
+<file path=ppt/slides/slide33.xml><?xml version="1.0" encoding="utf-8"?>
+<p:sld xmlns:a="http://schemas.openxmlformats.org/drawingml/2006/main" xmlns:r="http://schemas.openxmlformats.org/officeDocument/2006/relationships" xmlns:p="http://schemas.openxmlformats.org/presentationml/2006/main">
+  <p:cSld>
+    <p:spTree>
+      <p:nvGrpSpPr>
+        <p:cNvPr id="1" name=""/>
+        <p:cNvGrpSpPr/>
+        <p:nvPr/>
+      </p:nvGrpSpPr>
+      <p:grpSpPr>
+        <a:xfrm>
+          <a:off x="0" y="0"/>
+          <a:ext cx="0" cy="0"/>
+          <a:chOff x="0" y="0"/>
+          <a:chExt cx="0" cy="0"/>
+        </a:xfrm>
+      </p:grpSpPr>
+      <p:sp>
+        <p:nvSpPr>
+          <p:cNvPr id="2" name="Title 1"/>
+          <p:cNvSpPr>
+            <a:spLocks noGrp="1"/>
+          </p:cNvSpPr>
+          <p:nvPr>
+            <p:ph type="title"/>
+          </p:nvPr>
+        </p:nvSpPr>
+        <p:spPr/>
+        <p:txBody>
+          <a:bodyPr/>
+          <a:lstStyle/>
+          <a:p>
+            <a:r>
+              <a:rPr lang="en-GB" dirty="0" smtClean="0"/>
+              <a:t>Food Poverty Line Deficit Totals</a:t>
+            </a:r>
+            <a:endParaRPr lang="en-GB" dirty="0"/>
+          </a:p>
+        </p:txBody>
+      </p:sp>
+      <p:graphicFrame>
+        <p:nvGraphicFramePr>
+          <p:cNvPr id="4" name="Content Placeholder 3"/>
+          <p:cNvGraphicFramePr>
+            <a:graphicFrameLocks noGrp="1"/>
+          </p:cNvGraphicFramePr>
+          <p:nvPr>
+            <p:ph idx="1"/>
+            <p:extLst>
+              <p:ext uri="{D42A27DB-BD31-4B8C-83A1-F6EECF244321}">
+                <p14:modId xmlns:p14="http://schemas.microsoft.com/office/powerpoint/2010/main" val="3934935409"/>
+              </p:ext>
+            </p:extLst>
+          </p:nvPr>
+        </p:nvGraphicFramePr>
+        <p:xfrm>
+          <a:off x="1028700" y="1470815"/>
+          <a:ext cx="7061200" cy="4688684"/>
+        </p:xfrm>
+        <a:graphic>
+          <a:graphicData uri="http://schemas.openxmlformats.org/drawingml/2006/table">
+            <a:tbl>
+              <a:tblPr/>
+              <a:tblGrid>
+                <a:gridCol w="2527300"/>
+                <a:gridCol w="2172050"/>
+                <a:gridCol w="2361850"/>
+              </a:tblGrid>
+              <a:tr h="426244">
+                <a:tc>
+                  <a:txBody>
+                    <a:bodyPr/>
+                    <a:lstStyle/>
+                    <a:p>
+                      <a:pPr algn="l" fontAlgn="b"/>
+                      <a:r>
+                        <a:rPr lang="en-US" sz="2400" b="0" i="0" u="none" strike="noStrike" dirty="0" smtClean="0">
+                          <a:solidFill>
+                            <a:srgbClr val="FFFFFF"/>
+                          </a:solidFill>
+                          <a:effectLst/>
+                          <a:latin typeface="Helvetica Neue Light"/>
+                        </a:rPr>
+                        <a:t>Province</a:t>
+                      </a:r>
+                      <a:endParaRPr lang="en-US" sz="2400" b="0" i="0" u="none" strike="noStrike" dirty="0">
+                        <a:solidFill>
+                          <a:srgbClr val="FFFFFF"/>
+                        </a:solidFill>
+                        <a:effectLst/>
+                        <a:latin typeface="Helvetica Neue Light"/>
+                      </a:endParaRPr>
+                    </a:p>
+                  </a:txBody>
+                  <a:tcPr marL="12700" marR="12700" marT="12700" marB="0" anchor="b">
+                    <a:lnL>
+                      <a:noFill/>
+                    </a:lnL>
+                    <a:lnR>
+                      <a:noFill/>
+                    </a:lnR>
+                    <a:lnT w="6350" cap="flat" cmpd="sng" algn="ctr">
+                      <a:solidFill>
+                        <a:srgbClr val="76933C"/>
+                      </a:solidFill>
+                      <a:prstDash val="solid"/>
+                      <a:round/>
+                      <a:headEnd type="none" w="med" len="med"/>
+                      <a:tailEnd type="none" w="med" len="med"/>
+                    </a:lnT>
+                    <a:lnB w="6350" cap="flat" cmpd="sng" algn="ctr">
+                      <a:solidFill>
+                        <a:srgbClr val="EBF1DE"/>
+                      </a:solidFill>
+                      <a:prstDash val="solid"/>
+                      <a:round/>
+                      <a:headEnd type="none" w="med" len="med"/>
+                      <a:tailEnd type="none" w="med" len="med"/>
+                    </a:lnB>
+                    <a:solidFill>
+                      <a:srgbClr val="76933C"/>
+                    </a:solidFill>
+                  </a:tcPr>
+                </a:tc>
+                <a:tc>
+                  <a:txBody>
+                    <a:bodyPr/>
+                    <a:lstStyle/>
+                    <a:p>
+                      <a:pPr algn="r" fontAlgn="b"/>
+                      <a:r>
+                        <a:rPr lang="en-US" sz="2400" b="0" i="0" u="none" strike="noStrike" dirty="0" smtClean="0">
+                          <a:solidFill>
+                            <a:srgbClr val="FFFFFF"/>
+                          </a:solidFill>
+                          <a:effectLst/>
+                          <a:latin typeface="Helvetica Neue Light"/>
+                        </a:rPr>
+                        <a:t>Pop at Risk</a:t>
+                      </a:r>
+                      <a:endParaRPr lang="en-US" sz="2400" b="0" i="0" u="none" strike="noStrike" dirty="0">
+                        <a:solidFill>
+                          <a:srgbClr val="FFFFFF"/>
+                        </a:solidFill>
+                        <a:effectLst/>
+                        <a:latin typeface="Helvetica Neue Light"/>
+                      </a:endParaRPr>
+                    </a:p>
+                  </a:txBody>
+                  <a:tcPr marL="12700" marR="12700" marT="12700" marB="0" anchor="b">
+                    <a:lnL>
+                      <a:noFill/>
+                    </a:lnL>
+                    <a:lnR>
+                      <a:noFill/>
+                    </a:lnR>
+                    <a:lnT w="6350" cap="flat" cmpd="sng" algn="ctr">
+                      <a:solidFill>
+                        <a:srgbClr val="76933C"/>
+                      </a:solidFill>
+                      <a:prstDash val="solid"/>
+                      <a:round/>
+                      <a:headEnd type="none" w="med" len="med"/>
+                      <a:tailEnd type="none" w="med" len="med"/>
+                    </a:lnT>
+                    <a:lnB w="6350" cap="flat" cmpd="sng" algn="ctr">
+                      <a:solidFill>
+                        <a:srgbClr val="EBF1DE"/>
+                      </a:solidFill>
+                      <a:prstDash val="solid"/>
+                      <a:round/>
+                      <a:headEnd type="none" w="med" len="med"/>
+                      <a:tailEnd type="none" w="med" len="med"/>
+                    </a:lnB>
+                    <a:solidFill>
+                      <a:srgbClr val="76933C"/>
+                    </a:solidFill>
+                  </a:tcPr>
+                </a:tc>
+                <a:tc>
+                  <a:txBody>
+                    <a:bodyPr/>
+                    <a:lstStyle/>
+                    <a:p>
+                      <a:pPr algn="r" fontAlgn="b"/>
+                      <a:r>
+                        <a:rPr lang="en-US" sz="2400" b="0" i="0" u="none" strike="noStrike" dirty="0" smtClean="0">
+                          <a:solidFill>
+                            <a:srgbClr val="FFFFFF"/>
+                          </a:solidFill>
+                          <a:effectLst/>
+                          <a:latin typeface="Helvetica Neue Light"/>
+                        </a:rPr>
+                        <a:t>LBPL Deficit</a:t>
+                      </a:r>
+                      <a:endParaRPr lang="en-US" sz="2400" b="0" i="0" u="none" strike="noStrike" dirty="0">
+                        <a:solidFill>
+                          <a:srgbClr val="FFFFFF"/>
+                        </a:solidFill>
+                        <a:effectLst/>
+                        <a:latin typeface="Helvetica Neue Light"/>
+                      </a:endParaRPr>
+                    </a:p>
+                  </a:txBody>
+                  <a:tcPr marL="12700" marR="12700" marT="12700" marB="0" anchor="b">
+                    <a:lnL>
+                      <a:noFill/>
+                    </a:lnL>
+                    <a:lnR>
+                      <a:noFill/>
+                    </a:lnR>
+                    <a:lnT w="6350" cap="flat" cmpd="sng" algn="ctr">
+                      <a:solidFill>
+                        <a:srgbClr val="76933C"/>
+                      </a:solidFill>
+                      <a:prstDash val="solid"/>
+                      <a:round/>
+                      <a:headEnd type="none" w="med" len="med"/>
+                      <a:tailEnd type="none" w="med" len="med"/>
+                    </a:lnT>
+                    <a:lnB w="6350" cap="flat" cmpd="sng" algn="ctr">
+                      <a:solidFill>
+                        <a:srgbClr val="EBF1DE"/>
+                      </a:solidFill>
+                      <a:prstDash val="solid"/>
+                      <a:round/>
+                      <a:headEnd type="none" w="med" len="med"/>
+                      <a:tailEnd type="none" w="med" len="med"/>
+                    </a:lnB>
+                    <a:solidFill>
+                      <a:srgbClr val="76933C"/>
+                    </a:solidFill>
+                  </a:tcPr>
+                </a:tc>
+              </a:tr>
+              <a:tr h="426244">
+                <a:tc>
+                  <a:txBody>
+                    <a:bodyPr/>
+                    <a:lstStyle/>
+                    <a:p>
+                      <a:pPr algn="l" fontAlgn="b"/>
+                      <a:r>
+                        <a:rPr lang="en-US" sz="2400" b="0" i="0" u="none" strike="noStrike">
+                          <a:solidFill>
+                            <a:srgbClr val="000000"/>
+                          </a:solidFill>
+                          <a:effectLst/>
+                          <a:latin typeface="Helvetica Neue Light"/>
+                        </a:rPr>
+                        <a:t>Eastern Cape</a:t>
+                      </a:r>
+                    </a:p>
+                  </a:txBody>
+                  <a:tcPr marL="12700" marR="12700" marT="12700" marB="0" anchor="b">
+                    <a:lnL>
+                      <a:noFill/>
+                    </a:lnL>
+                    <a:lnR>
+                      <a:noFill/>
+                    </a:lnR>
+                    <a:lnT w="6350" cap="flat" cmpd="sng" algn="ctr">
+                      <a:solidFill>
+                        <a:srgbClr val="EBF1DE"/>
+                      </a:solidFill>
+                      <a:prstDash val="solid"/>
+                      <a:round/>
+                      <a:headEnd type="none" w="med" len="med"/>
+                      <a:tailEnd type="none" w="med" len="med"/>
+                    </a:lnT>
+                    <a:lnB w="6350" cap="flat" cmpd="sng" algn="ctr">
+                      <a:solidFill>
+                        <a:srgbClr val="EBF1DE"/>
+                      </a:solidFill>
+                      <a:prstDash val="solid"/>
+                      <a:round/>
+                      <a:headEnd type="none" w="med" len="med"/>
+                      <a:tailEnd type="none" w="med" len="med"/>
+                    </a:lnB>
+                  </a:tcPr>
+                </a:tc>
+                <a:tc>
+                  <a:txBody>
+                    <a:bodyPr/>
+                    <a:lstStyle/>
+                    <a:p>
+                      <a:pPr algn="r" fontAlgn="b"/>
+                      <a:r>
+                        <a:rPr lang="is-IS" sz="2400" b="0" i="0" u="none" strike="noStrike" dirty="0">
+                          <a:solidFill>
+                            <a:srgbClr val="000000"/>
+                          </a:solidFill>
+                          <a:effectLst/>
+                          <a:latin typeface="Helvetica Neue Light"/>
+                        </a:rPr>
+                        <a:t> 2,112,132 </a:t>
+                      </a:r>
+                    </a:p>
+                  </a:txBody>
+                  <a:tcPr marL="12700" marR="12700" marT="12700" marB="0" anchor="b">
+                    <a:lnL>
+                      <a:noFill/>
+                    </a:lnL>
+                    <a:lnR>
+                      <a:noFill/>
+                    </a:lnR>
+                    <a:lnT w="6350" cap="flat" cmpd="sng" algn="ctr">
+                      <a:solidFill>
+                        <a:srgbClr val="EBF1DE"/>
+                      </a:solidFill>
+                      <a:prstDash val="solid"/>
+                      <a:round/>
+                      <a:headEnd type="none" w="med" len="med"/>
+                      <a:tailEnd type="none" w="med" len="med"/>
+                    </a:lnT>
+                    <a:lnB w="6350" cap="flat" cmpd="sng" algn="ctr">
+                      <a:solidFill>
+                        <a:srgbClr val="EBF1DE"/>
+                      </a:solidFill>
+                      <a:prstDash val="solid"/>
+                      <a:round/>
+                      <a:headEnd type="none" w="med" len="med"/>
+                      <a:tailEnd type="none" w="med" len="med"/>
+                    </a:lnB>
+                  </a:tcPr>
+                </a:tc>
+                <a:tc>
+                  <a:txBody>
+                    <a:bodyPr/>
+                    <a:lstStyle/>
+                    <a:p>
+                      <a:pPr algn="r" fontAlgn="b"/>
+                      <a:r>
+                        <a:rPr lang="is-IS" sz="2400" b="0" i="0" u="none" strike="noStrike" dirty="0">
+                          <a:solidFill>
+                            <a:srgbClr val="000000"/>
+                          </a:solidFill>
+                          <a:effectLst/>
+                          <a:latin typeface="Helvetica Neue Light"/>
+                        </a:rPr>
+                        <a:t> 4,306,200,620 </a:t>
+                      </a:r>
+                    </a:p>
+                  </a:txBody>
+                  <a:tcPr marL="12700" marR="12700" marT="12700" marB="0" anchor="b">
+                    <a:lnL>
+                      <a:noFill/>
+                    </a:lnL>
+                    <a:lnR>
+                      <a:noFill/>
+                    </a:lnR>
+                    <a:lnT w="6350" cap="flat" cmpd="sng" algn="ctr">
+                      <a:solidFill>
+                        <a:srgbClr val="EBF1DE"/>
+                      </a:solidFill>
+                      <a:prstDash val="solid"/>
+                      <a:round/>
+                      <a:headEnd type="none" w="med" len="med"/>
+                      <a:tailEnd type="none" w="med" len="med"/>
+                    </a:lnT>
+                    <a:lnB w="6350" cap="flat" cmpd="sng" algn="ctr">
+                      <a:solidFill>
+                        <a:srgbClr val="EBF1DE"/>
+                      </a:solidFill>
+                      <a:prstDash val="solid"/>
+                      <a:round/>
+                      <a:headEnd type="none" w="med" len="med"/>
+                      <a:tailEnd type="none" w="med" len="med"/>
+                    </a:lnB>
+                  </a:tcPr>
+                </a:tc>
+              </a:tr>
+              <a:tr h="426244">
+                <a:tc>
+                  <a:txBody>
+                    <a:bodyPr/>
+                    <a:lstStyle/>
+                    <a:p>
+                      <a:pPr algn="l" fontAlgn="b"/>
+                      <a:r>
+                        <a:rPr lang="en-US" sz="2400" b="0" i="0" u="none" strike="noStrike">
+                          <a:solidFill>
+                            <a:srgbClr val="000000"/>
+                          </a:solidFill>
+                          <a:effectLst/>
+                          <a:latin typeface="Helvetica Neue Light"/>
+                        </a:rPr>
+                        <a:t>Free State</a:t>
+                      </a:r>
+                    </a:p>
+                  </a:txBody>
+                  <a:tcPr marL="12700" marR="12700" marT="12700" marB="0" anchor="b">
+                    <a:lnL>
+                      <a:noFill/>
+                    </a:lnL>
+                    <a:lnR>
+                      <a:noFill/>
+                    </a:lnR>
+                    <a:lnT w="6350" cap="flat" cmpd="sng" algn="ctr">
+                      <a:solidFill>
+                        <a:srgbClr val="EBF1DE"/>
+                      </a:solidFill>
+                      <a:prstDash val="solid"/>
+                      <a:round/>
+                      <a:headEnd type="none" w="med" len="med"/>
+                      <a:tailEnd type="none" w="med" len="med"/>
+                    </a:lnT>
+                    <a:lnB w="6350" cap="flat" cmpd="sng" algn="ctr">
+                      <a:solidFill>
+                        <a:srgbClr val="EBF1DE"/>
+                      </a:solidFill>
+                      <a:prstDash val="solid"/>
+                      <a:round/>
+                      <a:headEnd type="none" w="med" len="med"/>
+                      <a:tailEnd type="none" w="med" len="med"/>
+                    </a:lnB>
+                  </a:tcPr>
+                </a:tc>
+                <a:tc>
+                  <a:txBody>
+                    <a:bodyPr/>
+                    <a:lstStyle/>
+                    <a:p>
+                      <a:pPr algn="r" fontAlgn="b"/>
+                      <a:r>
+                        <a:rPr lang="is-IS" sz="2400" b="0" i="0" u="none" strike="noStrike" dirty="0">
+                          <a:solidFill>
+                            <a:srgbClr val="000000"/>
+                          </a:solidFill>
+                          <a:effectLst/>
+                          <a:latin typeface="Helvetica Neue Light"/>
+                        </a:rPr>
+                        <a:t> 489,207 </a:t>
+                      </a:r>
+                    </a:p>
+                  </a:txBody>
+                  <a:tcPr marL="12700" marR="12700" marT="12700" marB="0" anchor="b">
+                    <a:lnL>
+                      <a:noFill/>
+                    </a:lnL>
+                    <a:lnR>
+                      <a:noFill/>
+                    </a:lnR>
+                    <a:lnT w="6350" cap="flat" cmpd="sng" algn="ctr">
+                      <a:solidFill>
+                        <a:srgbClr val="EBF1DE"/>
+                      </a:solidFill>
+                      <a:prstDash val="solid"/>
+                      <a:round/>
+                      <a:headEnd type="none" w="med" len="med"/>
+                      <a:tailEnd type="none" w="med" len="med"/>
+                    </a:lnT>
+                    <a:lnB w="6350" cap="flat" cmpd="sng" algn="ctr">
+                      <a:solidFill>
+                        <a:srgbClr val="EBF1DE"/>
+                      </a:solidFill>
+                      <a:prstDash val="solid"/>
+                      <a:round/>
+                      <a:headEnd type="none" w="med" len="med"/>
+                      <a:tailEnd type="none" w="med" len="med"/>
+                    </a:lnB>
+                  </a:tcPr>
+                </a:tc>
+                <a:tc>
+                  <a:txBody>
+                    <a:bodyPr/>
+                    <a:lstStyle/>
+                    <a:p>
+                      <a:pPr algn="r" fontAlgn="b"/>
+                      <a:r>
+                        <a:rPr lang="cs-CZ" sz="2400" b="0" i="0" u="none" strike="noStrike" dirty="0">
+                          <a:solidFill>
+                            <a:srgbClr val="000000"/>
+                          </a:solidFill>
+                          <a:effectLst/>
+                          <a:latin typeface="Helvetica Neue Light"/>
+                        </a:rPr>
+                        <a:t> 370,289,310 </a:t>
+                      </a:r>
+                    </a:p>
+                  </a:txBody>
+                  <a:tcPr marL="12700" marR="12700" marT="12700" marB="0" anchor="b">
+                    <a:lnL>
+                      <a:noFill/>
+                    </a:lnL>
+                    <a:lnR>
+                      <a:noFill/>
+                    </a:lnR>
+                    <a:lnT w="6350" cap="flat" cmpd="sng" algn="ctr">
+                      <a:solidFill>
+                        <a:srgbClr val="EBF1DE"/>
+                      </a:solidFill>
+                      <a:prstDash val="solid"/>
+                      <a:round/>
+                      <a:headEnd type="none" w="med" len="med"/>
+                      <a:tailEnd type="none" w="med" len="med"/>
+                    </a:lnT>
+                    <a:lnB w="6350" cap="flat" cmpd="sng" algn="ctr">
+                      <a:solidFill>
+                        <a:srgbClr val="EBF1DE"/>
+                      </a:solidFill>
+                      <a:prstDash val="solid"/>
+                      <a:round/>
+                      <a:headEnd type="none" w="med" len="med"/>
+                      <a:tailEnd type="none" w="med" len="med"/>
+                    </a:lnB>
+                  </a:tcPr>
+                </a:tc>
+              </a:tr>
+              <a:tr h="426244">
+                <a:tc>
+                  <a:txBody>
+                    <a:bodyPr/>
+                    <a:lstStyle/>
+                    <a:p>
+                      <a:pPr algn="l" fontAlgn="b"/>
+                      <a:r>
+                        <a:rPr lang="en-US" sz="2400" b="0" i="0" u="none" strike="noStrike">
+                          <a:solidFill>
+                            <a:srgbClr val="000000"/>
+                          </a:solidFill>
+                          <a:effectLst/>
+                          <a:latin typeface="Helvetica Neue Light"/>
+                        </a:rPr>
+                        <a:t>Gauteng</a:t>
+                      </a:r>
+                    </a:p>
+                  </a:txBody>
+                  <a:tcPr marL="12700" marR="12700" marT="12700" marB="0" anchor="b">
+                    <a:lnL>
+                      <a:noFill/>
+                    </a:lnL>
+                    <a:lnR>
+                      <a:noFill/>
+                    </a:lnR>
+                    <a:lnT w="6350" cap="flat" cmpd="sng" algn="ctr">
+                      <a:solidFill>
+                        <a:srgbClr val="EBF1DE"/>
+                      </a:solidFill>
+                      <a:prstDash val="solid"/>
+                      <a:round/>
+                      <a:headEnd type="none" w="med" len="med"/>
+                      <a:tailEnd type="none" w="med" len="med"/>
+                    </a:lnT>
+                    <a:lnB w="6350" cap="flat" cmpd="sng" algn="ctr">
+                      <a:solidFill>
+                        <a:srgbClr val="EBF1DE"/>
+                      </a:solidFill>
+                      <a:prstDash val="solid"/>
+                      <a:round/>
+                      <a:headEnd type="none" w="med" len="med"/>
+                      <a:tailEnd type="none" w="med" len="med"/>
+                    </a:lnB>
+                  </a:tcPr>
+                </a:tc>
+                <a:tc>
+                  <a:txBody>
+                    <a:bodyPr/>
+                    <a:lstStyle/>
+                    <a:p>
+                      <a:pPr algn="r" fontAlgn="b"/>
+                      <a:r>
+                        <a:rPr lang="is-IS" sz="2400" b="0" i="0" u="none" strike="noStrike" dirty="0">
+                          <a:solidFill>
+                            <a:srgbClr val="000000"/>
+                          </a:solidFill>
+                          <a:effectLst/>
+                          <a:latin typeface="Helvetica Neue Light"/>
+                        </a:rPr>
+                        <a:t> 275,235 </a:t>
+                      </a:r>
+                    </a:p>
+                  </a:txBody>
+                  <a:tcPr marL="12700" marR="12700" marT="12700" marB="0" anchor="b">
+                    <a:lnL>
+                      <a:noFill/>
+                    </a:lnL>
+                    <a:lnR>
+                      <a:noFill/>
+                    </a:lnR>
+                    <a:lnT w="6350" cap="flat" cmpd="sng" algn="ctr">
+                      <a:solidFill>
+                        <a:srgbClr val="EBF1DE"/>
+                      </a:solidFill>
+                      <a:prstDash val="solid"/>
+                      <a:round/>
+                      <a:headEnd type="none" w="med" len="med"/>
+                      <a:tailEnd type="none" w="med" len="med"/>
+                    </a:lnT>
+                    <a:lnB w="6350" cap="flat" cmpd="sng" algn="ctr">
+                      <a:solidFill>
+                        <a:srgbClr val="EBF1DE"/>
+                      </a:solidFill>
+                      <a:prstDash val="solid"/>
+                      <a:round/>
+                      <a:headEnd type="none" w="med" len="med"/>
+                      <a:tailEnd type="none" w="med" len="med"/>
+                    </a:lnB>
+                  </a:tcPr>
+                </a:tc>
+                <a:tc>
+                  <a:txBody>
+                    <a:bodyPr/>
+                    <a:lstStyle/>
+                    <a:p>
+                      <a:pPr algn="r" fontAlgn="b"/>
+                      <a:r>
+                        <a:rPr lang="fi-FI" sz="2400" b="0" i="0" u="none" strike="noStrike" dirty="0">
+                          <a:solidFill>
+                            <a:srgbClr val="000000"/>
+                          </a:solidFill>
+                          <a:effectLst/>
+                          <a:latin typeface="Helvetica Neue Light"/>
+                        </a:rPr>
+                        <a:t> 76,053,790 </a:t>
+                      </a:r>
+                    </a:p>
+                  </a:txBody>
+                  <a:tcPr marL="12700" marR="12700" marT="12700" marB="0" anchor="b">
+                    <a:lnL>
+                      <a:noFill/>
+                    </a:lnL>
+                    <a:lnR>
+                      <a:noFill/>
+                    </a:lnR>
+                    <a:lnT w="6350" cap="flat" cmpd="sng" algn="ctr">
+                      <a:solidFill>
+                        <a:srgbClr val="EBF1DE"/>
+                      </a:solidFill>
+                      <a:prstDash val="solid"/>
+                      <a:round/>
+                      <a:headEnd type="none" w="med" len="med"/>
+                      <a:tailEnd type="none" w="med" len="med"/>
+                    </a:lnT>
+                    <a:lnB w="6350" cap="flat" cmpd="sng" algn="ctr">
+                      <a:solidFill>
+                        <a:srgbClr val="EBF1DE"/>
+                      </a:solidFill>
+                      <a:prstDash val="solid"/>
+                      <a:round/>
+                      <a:headEnd type="none" w="med" len="med"/>
+                      <a:tailEnd type="none" w="med" len="med"/>
+                    </a:lnB>
+                  </a:tcPr>
+                </a:tc>
+              </a:tr>
+              <a:tr h="426244">
+                <a:tc>
+                  <a:txBody>
+                    <a:bodyPr/>
+                    <a:lstStyle/>
+                    <a:p>
+                      <a:pPr algn="l" fontAlgn="b"/>
+                      <a:r>
+                        <a:rPr lang="en-US" sz="2400" b="0" i="0" u="none" strike="noStrike" dirty="0">
+                          <a:solidFill>
+                            <a:srgbClr val="000000"/>
+                          </a:solidFill>
+                          <a:effectLst/>
+                          <a:latin typeface="Helvetica Neue Light"/>
+                        </a:rPr>
+                        <a:t>KwaZulu-Natal</a:t>
+                      </a:r>
+                    </a:p>
+                  </a:txBody>
+                  <a:tcPr marL="12700" marR="12700" marT="12700" marB="0" anchor="b">
+                    <a:lnL>
+                      <a:noFill/>
+                    </a:lnL>
+                    <a:lnR>
+                      <a:noFill/>
+                    </a:lnR>
+                    <a:lnT w="6350" cap="flat" cmpd="sng" algn="ctr">
+                      <a:solidFill>
+                        <a:srgbClr val="EBF1DE"/>
+                      </a:solidFill>
+                      <a:prstDash val="solid"/>
+                      <a:round/>
+                      <a:headEnd type="none" w="med" len="med"/>
+                      <a:tailEnd type="none" w="med" len="med"/>
+                    </a:lnT>
+                    <a:lnB w="6350" cap="flat" cmpd="sng" algn="ctr">
+                      <a:solidFill>
+                        <a:srgbClr val="EBF1DE"/>
+                      </a:solidFill>
+                      <a:prstDash val="solid"/>
+                      <a:round/>
+                      <a:headEnd type="none" w="med" len="med"/>
+                      <a:tailEnd type="none" w="med" len="med"/>
+                    </a:lnB>
+                  </a:tcPr>
+                </a:tc>
+                <a:tc>
+                  <a:txBody>
+                    <a:bodyPr/>
+                    <a:lstStyle/>
+                    <a:p>
+                      <a:pPr algn="r" fontAlgn="b"/>
+                      <a:r>
+                        <a:rPr lang="is-IS" sz="2400" b="0" i="0" u="none" strike="noStrike" dirty="0">
+                          <a:solidFill>
+                            <a:srgbClr val="000000"/>
+                          </a:solidFill>
+                          <a:effectLst/>
+                          <a:latin typeface="Helvetica Neue Light"/>
+                        </a:rPr>
+                        <a:t> 4,006,428 </a:t>
+                      </a:r>
+                    </a:p>
+                  </a:txBody>
+                  <a:tcPr marL="12700" marR="12700" marT="12700" marB="0" anchor="b">
+                    <a:lnL>
+                      <a:noFill/>
+                    </a:lnL>
+                    <a:lnR>
+                      <a:noFill/>
+                    </a:lnR>
+                    <a:lnT w="6350" cap="flat" cmpd="sng" algn="ctr">
+                      <a:solidFill>
+                        <a:srgbClr val="EBF1DE"/>
+                      </a:solidFill>
+                      <a:prstDash val="solid"/>
+                      <a:round/>
+                      <a:headEnd type="none" w="med" len="med"/>
+                      <a:tailEnd type="none" w="med" len="med"/>
+                    </a:lnT>
+                    <a:lnB w="6350" cap="flat" cmpd="sng" algn="ctr">
+                      <a:solidFill>
+                        <a:srgbClr val="EBF1DE"/>
+                      </a:solidFill>
+                      <a:prstDash val="solid"/>
+                      <a:round/>
+                      <a:headEnd type="none" w="med" len="med"/>
+                      <a:tailEnd type="none" w="med" len="med"/>
+                    </a:lnB>
+                  </a:tcPr>
+                </a:tc>
+                <a:tc>
+                  <a:txBody>
+                    <a:bodyPr/>
+                    <a:lstStyle/>
+                    <a:p>
+                      <a:pPr algn="r" fontAlgn="b"/>
+                      <a:r>
+                        <a:rPr lang="fi-FI" sz="2400" b="0" i="0" u="none" strike="noStrike" dirty="0">
+                          <a:solidFill>
+                            <a:srgbClr val="000000"/>
+                          </a:solidFill>
+                          <a:effectLst/>
+                          <a:latin typeface="Helvetica Neue Light"/>
+                        </a:rPr>
+                        <a:t> 9,487,561,101 </a:t>
+                      </a:r>
+                    </a:p>
+                  </a:txBody>
+                  <a:tcPr marL="12700" marR="12700" marT="12700" marB="0" anchor="b">
+                    <a:lnL>
+                      <a:noFill/>
+                    </a:lnL>
+                    <a:lnR>
+                      <a:noFill/>
+                    </a:lnR>
+                    <a:lnT w="6350" cap="flat" cmpd="sng" algn="ctr">
+                      <a:solidFill>
+                        <a:srgbClr val="EBF1DE"/>
+                      </a:solidFill>
+                      <a:prstDash val="solid"/>
+                      <a:round/>
+                      <a:headEnd type="none" w="med" len="med"/>
+                      <a:tailEnd type="none" w="med" len="med"/>
+                    </a:lnT>
+                    <a:lnB w="6350" cap="flat" cmpd="sng" algn="ctr">
+                      <a:solidFill>
+                        <a:srgbClr val="EBF1DE"/>
+                      </a:solidFill>
+                      <a:prstDash val="solid"/>
+                      <a:round/>
+                      <a:headEnd type="none" w="med" len="med"/>
+                      <a:tailEnd type="none" w="med" len="med"/>
+                    </a:lnB>
+                  </a:tcPr>
+                </a:tc>
+              </a:tr>
+              <a:tr h="426244">
+                <a:tc>
+                  <a:txBody>
+                    <a:bodyPr/>
+                    <a:lstStyle/>
+                    <a:p>
+                      <a:pPr algn="l" fontAlgn="b"/>
+                      <a:r>
+                        <a:rPr lang="en-US" sz="2400" b="0" i="0" u="none" strike="noStrike">
+                          <a:solidFill>
+                            <a:srgbClr val="000000"/>
+                          </a:solidFill>
+                          <a:effectLst/>
+                          <a:latin typeface="Helvetica Neue Light"/>
+                        </a:rPr>
+                        <a:t>Limpopo</a:t>
+                      </a:r>
+                    </a:p>
+                  </a:txBody>
+                  <a:tcPr marL="12700" marR="12700" marT="12700" marB="0" anchor="b">
+                    <a:lnL>
+                      <a:noFill/>
+                    </a:lnL>
+                    <a:lnR>
+                      <a:noFill/>
+                    </a:lnR>
+                    <a:lnT w="6350" cap="flat" cmpd="sng" algn="ctr">
+                      <a:solidFill>
+                        <a:srgbClr val="EBF1DE"/>
+                      </a:solidFill>
+                      <a:prstDash val="solid"/>
+                      <a:round/>
+                      <a:headEnd type="none" w="med" len="med"/>
+                      <a:tailEnd type="none" w="med" len="med"/>
+                    </a:lnT>
+                    <a:lnB w="6350" cap="flat" cmpd="sng" algn="ctr">
+                      <a:solidFill>
+                        <a:srgbClr val="EBF1DE"/>
+                      </a:solidFill>
+                      <a:prstDash val="solid"/>
+                      <a:round/>
+                      <a:headEnd type="none" w="med" len="med"/>
+                      <a:tailEnd type="none" w="med" len="med"/>
+                    </a:lnB>
+                  </a:tcPr>
+                </a:tc>
+                <a:tc>
+                  <a:txBody>
+                    <a:bodyPr/>
+                    <a:lstStyle/>
+                    <a:p>
+                      <a:pPr algn="r" fontAlgn="b"/>
+                      <a:r>
+                        <a:rPr lang="fi-FI" sz="2400" b="0" i="0" u="none" strike="noStrike" dirty="0">
+                          <a:solidFill>
+                            <a:srgbClr val="000000"/>
+                          </a:solidFill>
+                          <a:effectLst/>
+                          <a:latin typeface="Helvetica Neue Light"/>
+                        </a:rPr>
+                        <a:t> 2,002,784 </a:t>
+                      </a:r>
+                    </a:p>
+                  </a:txBody>
+                  <a:tcPr marL="12700" marR="12700" marT="12700" marB="0" anchor="b">
+                    <a:lnL>
+                      <a:noFill/>
+                    </a:lnL>
+                    <a:lnR>
+                      <a:noFill/>
+                    </a:lnR>
+                    <a:lnT w="6350" cap="flat" cmpd="sng" algn="ctr">
+                      <a:solidFill>
+                        <a:srgbClr val="EBF1DE"/>
+                      </a:solidFill>
+                      <a:prstDash val="solid"/>
+                      <a:round/>
+                      <a:headEnd type="none" w="med" len="med"/>
+                      <a:tailEnd type="none" w="med" len="med"/>
+                    </a:lnT>
+                    <a:lnB w="6350" cap="flat" cmpd="sng" algn="ctr">
+                      <a:solidFill>
+                        <a:srgbClr val="EBF1DE"/>
+                      </a:solidFill>
+                      <a:prstDash val="solid"/>
+                      <a:round/>
+                      <a:headEnd type="none" w="med" len="med"/>
+                      <a:tailEnd type="none" w="med" len="med"/>
+                    </a:lnB>
+                  </a:tcPr>
+                </a:tc>
+                <a:tc>
+                  <a:txBody>
+                    <a:bodyPr/>
+                    <a:lstStyle/>
+                    <a:p>
+                      <a:pPr algn="r" fontAlgn="b"/>
+                      <a:r>
+                        <a:rPr lang="fi-FI" sz="2400" b="0" i="0" u="none" strike="noStrike" dirty="0">
+                          <a:solidFill>
+                            <a:srgbClr val="000000"/>
+                          </a:solidFill>
+                          <a:effectLst/>
+                          <a:latin typeface="Helvetica Neue Light"/>
+                        </a:rPr>
+                        <a:t> 4,170,699,730 </a:t>
+                      </a:r>
+                    </a:p>
+                  </a:txBody>
+                  <a:tcPr marL="12700" marR="12700" marT="12700" marB="0" anchor="b">
+                    <a:lnL>
+                      <a:noFill/>
+                    </a:lnL>
+                    <a:lnR>
+                      <a:noFill/>
+                    </a:lnR>
+                    <a:lnT w="6350" cap="flat" cmpd="sng" algn="ctr">
+                      <a:solidFill>
+                        <a:srgbClr val="EBF1DE"/>
+                      </a:solidFill>
+                      <a:prstDash val="solid"/>
+                      <a:round/>
+                      <a:headEnd type="none" w="med" len="med"/>
+                      <a:tailEnd type="none" w="med" len="med"/>
+                    </a:lnT>
+                    <a:lnB w="6350" cap="flat" cmpd="sng" algn="ctr">
+                      <a:solidFill>
+                        <a:srgbClr val="EBF1DE"/>
+                      </a:solidFill>
+                      <a:prstDash val="solid"/>
+                      <a:round/>
+                      <a:headEnd type="none" w="med" len="med"/>
+                      <a:tailEnd type="none" w="med" len="med"/>
+                    </a:lnB>
+                  </a:tcPr>
+                </a:tc>
+              </a:tr>
+              <a:tr h="426244">
+                <a:tc>
+                  <a:txBody>
+                    <a:bodyPr/>
+                    <a:lstStyle/>
+                    <a:p>
+                      <a:pPr algn="l" fontAlgn="b"/>
+                      <a:r>
+                        <a:rPr lang="en-US" sz="2400" b="0" i="0" u="none" strike="noStrike">
+                          <a:solidFill>
+                            <a:srgbClr val="000000"/>
+                          </a:solidFill>
+                          <a:effectLst/>
+                          <a:latin typeface="Helvetica Neue Light"/>
+                        </a:rPr>
+                        <a:t>Mpumalanga</a:t>
+                      </a:r>
+                    </a:p>
+                  </a:txBody>
+                  <a:tcPr marL="12700" marR="12700" marT="12700" marB="0" anchor="b">
+                    <a:lnL>
+                      <a:noFill/>
+                    </a:lnL>
+                    <a:lnR>
+                      <a:noFill/>
+                    </a:lnR>
+                    <a:lnT w="6350" cap="flat" cmpd="sng" algn="ctr">
+                      <a:solidFill>
+                        <a:srgbClr val="EBF1DE"/>
+                      </a:solidFill>
+                      <a:prstDash val="solid"/>
+                      <a:round/>
+                      <a:headEnd type="none" w="med" len="med"/>
+                      <a:tailEnd type="none" w="med" len="med"/>
+                    </a:lnT>
+                    <a:lnB w="6350" cap="flat" cmpd="sng" algn="ctr">
+                      <a:solidFill>
+                        <a:srgbClr val="EBF1DE"/>
+                      </a:solidFill>
+                      <a:prstDash val="solid"/>
+                      <a:round/>
+                      <a:headEnd type="none" w="med" len="med"/>
+                      <a:tailEnd type="none" w="med" len="med"/>
+                    </a:lnB>
+                  </a:tcPr>
+                </a:tc>
+                <a:tc>
+                  <a:txBody>
+                    <a:bodyPr/>
+                    <a:lstStyle/>
+                    <a:p>
+                      <a:pPr algn="r" fontAlgn="b"/>
+                      <a:r>
+                        <a:rPr lang="cs-CZ" sz="2400" b="0" i="0" u="none" strike="noStrike" dirty="0">
+                          <a:solidFill>
+                            <a:srgbClr val="000000"/>
+                          </a:solidFill>
+                          <a:effectLst/>
+                          <a:latin typeface="Helvetica Neue Light"/>
+                        </a:rPr>
+                        <a:t> 1,640,691 </a:t>
+                      </a:r>
+                    </a:p>
+                  </a:txBody>
+                  <a:tcPr marL="12700" marR="12700" marT="12700" marB="0" anchor="b">
+                    <a:lnL>
+                      <a:noFill/>
+                    </a:lnL>
+                    <a:lnR>
+                      <a:noFill/>
+                    </a:lnR>
+                    <a:lnT w="6350" cap="flat" cmpd="sng" algn="ctr">
+                      <a:solidFill>
+                        <a:srgbClr val="EBF1DE"/>
+                      </a:solidFill>
+                      <a:prstDash val="solid"/>
+                      <a:round/>
+                      <a:headEnd type="none" w="med" len="med"/>
+                      <a:tailEnd type="none" w="med" len="med"/>
+                    </a:lnT>
+                    <a:lnB w="6350" cap="flat" cmpd="sng" algn="ctr">
+                      <a:solidFill>
+                        <a:srgbClr val="EBF1DE"/>
+                      </a:solidFill>
+                      <a:prstDash val="solid"/>
+                      <a:round/>
+                      <a:headEnd type="none" w="med" len="med"/>
+                      <a:tailEnd type="none" w="med" len="med"/>
+                    </a:lnB>
+                  </a:tcPr>
+                </a:tc>
+                <a:tc>
+                  <a:txBody>
+                    <a:bodyPr/>
+                    <a:lstStyle/>
+                    <a:p>
+                      <a:pPr algn="r" fontAlgn="b"/>
+                      <a:r>
+                        <a:rPr lang="is-IS" sz="2400" b="0" i="0" u="none" strike="noStrike" dirty="0">
+                          <a:solidFill>
+                            <a:srgbClr val="000000"/>
+                          </a:solidFill>
+                          <a:effectLst/>
+                          <a:latin typeface="Helvetica Neue Light"/>
+                        </a:rPr>
+                        <a:t> 2,604,395,509 </a:t>
+                      </a:r>
+                    </a:p>
+                  </a:txBody>
+                  <a:tcPr marL="12700" marR="12700" marT="12700" marB="0" anchor="b">
+                    <a:lnL>
+                      <a:noFill/>
+                    </a:lnL>
+                    <a:lnR>
+                      <a:noFill/>
+                    </a:lnR>
+                    <a:lnT w="6350" cap="flat" cmpd="sng" algn="ctr">
+                      <a:solidFill>
+                        <a:srgbClr val="EBF1DE"/>
+                      </a:solidFill>
+                      <a:prstDash val="solid"/>
+                      <a:round/>
+                      <a:headEnd type="none" w="med" len="med"/>
+                      <a:tailEnd type="none" w="med" len="med"/>
+                    </a:lnT>
+                    <a:lnB w="6350" cap="flat" cmpd="sng" algn="ctr">
+                      <a:solidFill>
+                        <a:srgbClr val="EBF1DE"/>
+                      </a:solidFill>
+                      <a:prstDash val="solid"/>
+                      <a:round/>
+                      <a:headEnd type="none" w="med" len="med"/>
+                      <a:tailEnd type="none" w="med" len="med"/>
+                    </a:lnB>
+                  </a:tcPr>
+                </a:tc>
+              </a:tr>
+              <a:tr h="426244">
+                <a:tc>
+                  <a:txBody>
+                    <a:bodyPr/>
+                    <a:lstStyle/>
+                    <a:p>
+                      <a:pPr algn="l" fontAlgn="b"/>
+                      <a:r>
+                        <a:rPr lang="en-US" sz="2400" b="0" i="0" u="none" strike="noStrike">
+                          <a:solidFill>
+                            <a:srgbClr val="000000"/>
+                          </a:solidFill>
+                          <a:effectLst/>
+                          <a:latin typeface="Helvetica Neue Light"/>
+                        </a:rPr>
+                        <a:t>North West</a:t>
+                      </a:r>
+                    </a:p>
+                  </a:txBody>
+                  <a:tcPr marL="12700" marR="12700" marT="12700" marB="0" anchor="b">
+                    <a:lnL>
+                      <a:noFill/>
+                    </a:lnL>
+                    <a:lnR>
+                      <a:noFill/>
+                    </a:lnR>
+                    <a:lnT w="6350" cap="flat" cmpd="sng" algn="ctr">
+                      <a:solidFill>
+                        <a:srgbClr val="EBF1DE"/>
+                      </a:solidFill>
+                      <a:prstDash val="solid"/>
+                      <a:round/>
+                      <a:headEnd type="none" w="med" len="med"/>
+                      <a:tailEnd type="none" w="med" len="med"/>
+                    </a:lnT>
+                    <a:lnB w="6350" cap="flat" cmpd="sng" algn="ctr">
+                      <a:solidFill>
+                        <a:srgbClr val="EBF1DE"/>
+                      </a:solidFill>
+                      <a:prstDash val="solid"/>
+                      <a:round/>
+                      <a:headEnd type="none" w="med" len="med"/>
+                      <a:tailEnd type="none" w="med" len="med"/>
+                    </a:lnB>
+                  </a:tcPr>
+                </a:tc>
+                <a:tc>
+                  <a:txBody>
+                    <a:bodyPr/>
+                    <a:lstStyle/>
+                    <a:p>
+                      <a:pPr algn="r" fontAlgn="b"/>
+                      <a:r>
+                        <a:rPr lang="fi-FI" sz="2400" b="0" i="0" u="none" strike="noStrike" dirty="0">
+                          <a:solidFill>
+                            <a:srgbClr val="000000"/>
+                          </a:solidFill>
+                          <a:effectLst/>
+                          <a:latin typeface="Helvetica Neue Light"/>
+                        </a:rPr>
+                        <a:t> 2,181,987 </a:t>
+                      </a:r>
+                    </a:p>
+                  </a:txBody>
+                  <a:tcPr marL="12700" marR="12700" marT="12700" marB="0" anchor="b">
+                    <a:lnL>
+                      <a:noFill/>
+                    </a:lnL>
+                    <a:lnR>
+                      <a:noFill/>
+                    </a:lnR>
+                    <a:lnT w="6350" cap="flat" cmpd="sng" algn="ctr">
+                      <a:solidFill>
+                        <a:srgbClr val="EBF1DE"/>
+                      </a:solidFill>
+                      <a:prstDash val="solid"/>
+                      <a:round/>
+                      <a:headEnd type="none" w="med" len="med"/>
+                      <a:tailEnd type="none" w="med" len="med"/>
+                    </a:lnT>
+                    <a:lnB w="6350" cap="flat" cmpd="sng" algn="ctr">
+                      <a:solidFill>
+                        <a:srgbClr val="EBF1DE"/>
+                      </a:solidFill>
+                      <a:prstDash val="solid"/>
+                      <a:round/>
+                      <a:headEnd type="none" w="med" len="med"/>
+                      <a:tailEnd type="none" w="med" len="med"/>
+                    </a:lnB>
+                  </a:tcPr>
+                </a:tc>
+                <a:tc>
+                  <a:txBody>
+                    <a:bodyPr/>
+                    <a:lstStyle/>
+                    <a:p>
+                      <a:pPr algn="r" fontAlgn="b"/>
+                      <a:r>
+                        <a:rPr lang="is-IS" sz="2400" b="0" i="0" u="none" strike="noStrike" dirty="0">
+                          <a:solidFill>
+                            <a:srgbClr val="000000"/>
+                          </a:solidFill>
+                          <a:effectLst/>
+                          <a:latin typeface="Helvetica Neue Light"/>
+                        </a:rPr>
+                        <a:t> 2,399,275,038 </a:t>
+                      </a:r>
+                    </a:p>
+                  </a:txBody>
+                  <a:tcPr marL="12700" marR="12700" marT="12700" marB="0" anchor="b">
+                    <a:lnL>
+                      <a:noFill/>
+                    </a:lnL>
+                    <a:lnR>
+                      <a:noFill/>
+                    </a:lnR>
+                    <a:lnT w="6350" cap="flat" cmpd="sng" algn="ctr">
+                      <a:solidFill>
+                        <a:srgbClr val="EBF1DE"/>
+                      </a:solidFill>
+                      <a:prstDash val="solid"/>
+                      <a:round/>
+                      <a:headEnd type="none" w="med" len="med"/>
+                      <a:tailEnd type="none" w="med" len="med"/>
+                    </a:lnT>
+                    <a:lnB w="6350" cap="flat" cmpd="sng" algn="ctr">
+                      <a:solidFill>
+                        <a:srgbClr val="EBF1DE"/>
+                      </a:solidFill>
+                      <a:prstDash val="solid"/>
+                      <a:round/>
+                      <a:headEnd type="none" w="med" len="med"/>
+                      <a:tailEnd type="none" w="med" len="med"/>
+                    </a:lnB>
+                  </a:tcPr>
+                </a:tc>
+              </a:tr>
+              <a:tr h="426244">
+                <a:tc>
+                  <a:txBody>
+                    <a:bodyPr/>
+                    <a:lstStyle/>
+                    <a:p>
+                      <a:pPr algn="l" fontAlgn="b"/>
+                      <a:r>
+                        <a:rPr lang="en-US" sz="2400" b="0" i="0" u="none" strike="noStrike">
+                          <a:solidFill>
+                            <a:srgbClr val="000000"/>
+                          </a:solidFill>
+                          <a:effectLst/>
+                          <a:latin typeface="Helvetica Neue Light"/>
+                        </a:rPr>
+                        <a:t>Northern Cape</a:t>
+                      </a:r>
+                    </a:p>
+                  </a:txBody>
+                  <a:tcPr marL="12700" marR="12700" marT="12700" marB="0" anchor="b">
+                    <a:lnL>
+                      <a:noFill/>
+                    </a:lnL>
+                    <a:lnR>
+                      <a:noFill/>
+                    </a:lnR>
+                    <a:lnT w="6350" cap="flat" cmpd="sng" algn="ctr">
+                      <a:solidFill>
+                        <a:srgbClr val="EBF1DE"/>
+                      </a:solidFill>
+                      <a:prstDash val="solid"/>
+                      <a:round/>
+                      <a:headEnd type="none" w="med" len="med"/>
+                      <a:tailEnd type="none" w="med" len="med"/>
+                    </a:lnT>
+                    <a:lnB w="6350" cap="flat" cmpd="sng" algn="ctr">
+                      <a:solidFill>
+                        <a:srgbClr val="EBF1DE"/>
+                      </a:solidFill>
+                      <a:prstDash val="solid"/>
+                      <a:round/>
+                      <a:headEnd type="none" w="med" len="med"/>
+                      <a:tailEnd type="none" w="med" len="med"/>
+                    </a:lnB>
+                  </a:tcPr>
+                </a:tc>
+                <a:tc>
+                  <a:txBody>
+                    <a:bodyPr/>
+                    <a:lstStyle/>
+                    <a:p>
+                      <a:pPr algn="r" fontAlgn="b"/>
+                      <a:r>
+                        <a:rPr lang="cs-CZ" sz="2400" b="0" i="0" u="none" strike="noStrike" dirty="0">
+                          <a:solidFill>
+                            <a:srgbClr val="000000"/>
+                          </a:solidFill>
+                          <a:effectLst/>
+                          <a:latin typeface="Helvetica Neue Light"/>
+                        </a:rPr>
+                        <a:t> 399,567 </a:t>
+                      </a:r>
+                    </a:p>
+                  </a:txBody>
+                  <a:tcPr marL="12700" marR="12700" marT="12700" marB="0" anchor="b">
+                    <a:lnL>
+                      <a:noFill/>
+                    </a:lnL>
+                    <a:lnR>
+                      <a:noFill/>
+                    </a:lnR>
+                    <a:lnT w="6350" cap="flat" cmpd="sng" algn="ctr">
+                      <a:solidFill>
+                        <a:srgbClr val="EBF1DE"/>
+                      </a:solidFill>
+                      <a:prstDash val="solid"/>
+                      <a:round/>
+                      <a:headEnd type="none" w="med" len="med"/>
+                      <a:tailEnd type="none" w="med" len="med"/>
+                    </a:lnT>
+                    <a:lnB w="6350" cap="flat" cmpd="sng" algn="ctr">
+                      <a:solidFill>
+                        <a:srgbClr val="EBF1DE"/>
+                      </a:solidFill>
+                      <a:prstDash val="solid"/>
+                      <a:round/>
+                      <a:headEnd type="none" w="med" len="med"/>
+                      <a:tailEnd type="none" w="med" len="med"/>
+                    </a:lnB>
+                  </a:tcPr>
+                </a:tc>
+                <a:tc>
+                  <a:txBody>
+                    <a:bodyPr/>
+                    <a:lstStyle/>
+                    <a:p>
+                      <a:pPr algn="r" fontAlgn="b"/>
+                      <a:r>
+                        <a:rPr lang="is-IS" sz="2400" b="0" i="0" u="none" strike="noStrike" dirty="0">
+                          <a:solidFill>
+                            <a:srgbClr val="000000"/>
+                          </a:solidFill>
+                          <a:effectLst/>
+                          <a:latin typeface="Helvetica Neue Light"/>
+                        </a:rPr>
+                        <a:t> 1,015,768,406 </a:t>
+                      </a:r>
+                    </a:p>
+                  </a:txBody>
+                  <a:tcPr marL="12700" marR="12700" marT="12700" marB="0" anchor="b">
+                    <a:lnL>
+                      <a:noFill/>
+                    </a:lnL>
+                    <a:lnR>
+                      <a:noFill/>
+                    </a:lnR>
+                    <a:lnT w="6350" cap="flat" cmpd="sng" algn="ctr">
+                      <a:solidFill>
+                        <a:srgbClr val="EBF1DE"/>
+                      </a:solidFill>
+                      <a:prstDash val="solid"/>
+                      <a:round/>
+                      <a:headEnd type="none" w="med" len="med"/>
+                      <a:tailEnd type="none" w="med" len="med"/>
+                    </a:lnT>
+                    <a:lnB w="6350" cap="flat" cmpd="sng" algn="ctr">
+                      <a:solidFill>
+                        <a:srgbClr val="EBF1DE"/>
+                      </a:solidFill>
+                      <a:prstDash val="solid"/>
+                      <a:round/>
+                      <a:headEnd type="none" w="med" len="med"/>
+                      <a:tailEnd type="none" w="med" len="med"/>
+                    </a:lnB>
+                  </a:tcPr>
+                </a:tc>
+              </a:tr>
+              <a:tr h="426244">
+                <a:tc>
+                  <a:txBody>
+                    <a:bodyPr/>
+                    <a:lstStyle/>
+                    <a:p>
+                      <a:pPr algn="l" fontAlgn="b"/>
+                      <a:r>
+                        <a:rPr lang="en-US" sz="2400" b="0" i="0" u="none" strike="noStrike">
+                          <a:solidFill>
+                            <a:srgbClr val="000000"/>
+                          </a:solidFill>
+                          <a:effectLst/>
+                          <a:latin typeface="Helvetica Neue Light"/>
+                        </a:rPr>
+                        <a:t>Western Cape</a:t>
+                      </a:r>
+                    </a:p>
+                  </a:txBody>
+                  <a:tcPr marL="12700" marR="12700" marT="12700" marB="0" anchor="b">
+                    <a:lnL>
+                      <a:noFill/>
+                    </a:lnL>
+                    <a:lnR>
+                      <a:noFill/>
+                    </a:lnR>
+                    <a:lnT w="6350" cap="flat" cmpd="sng" algn="ctr">
+                      <a:solidFill>
+                        <a:srgbClr val="EBF1DE"/>
+                      </a:solidFill>
+                      <a:prstDash val="solid"/>
+                      <a:round/>
+                      <a:headEnd type="none" w="med" len="med"/>
+                      <a:tailEnd type="none" w="med" len="med"/>
+                    </a:lnT>
+                    <a:lnB w="25400" cap="flat" cmpd="dbl" algn="ctr">
+                      <a:solidFill>
+                        <a:srgbClr val="76933C"/>
+                      </a:solidFill>
+                      <a:prstDash val="solid"/>
+                      <a:round/>
+                      <a:headEnd type="none" w="med" len="med"/>
+                      <a:tailEnd type="none" w="med" len="med"/>
+                    </a:lnB>
+                  </a:tcPr>
+                </a:tc>
+                <a:tc>
+                  <a:txBody>
+                    <a:bodyPr/>
+                    <a:lstStyle/>
+                    <a:p>
+                      <a:pPr algn="r" fontAlgn="b"/>
+                      <a:r>
+                        <a:rPr lang="is-IS" sz="2400" b="0" i="0" u="none" strike="noStrike" dirty="0">
+                          <a:solidFill>
+                            <a:srgbClr val="000000"/>
+                          </a:solidFill>
+                          <a:effectLst/>
+                          <a:latin typeface="Helvetica Neue Light"/>
+                        </a:rPr>
+                        <a:t> 2,117,129 </a:t>
+                      </a:r>
+                    </a:p>
+                  </a:txBody>
+                  <a:tcPr marL="12700" marR="12700" marT="12700" marB="0" anchor="b">
+                    <a:lnL>
+                      <a:noFill/>
+                    </a:lnL>
+                    <a:lnR>
+                      <a:noFill/>
+                    </a:lnR>
+                    <a:lnT w="6350" cap="flat" cmpd="sng" algn="ctr">
+                      <a:solidFill>
+                        <a:srgbClr val="EBF1DE"/>
+                      </a:solidFill>
+                      <a:prstDash val="solid"/>
+                      <a:round/>
+                      <a:headEnd type="none" w="med" len="med"/>
+                      <a:tailEnd type="none" w="med" len="med"/>
+                    </a:lnT>
+                    <a:lnB w="25400" cap="flat" cmpd="dbl" algn="ctr">
+                      <a:solidFill>
+                        <a:srgbClr val="76933C"/>
+                      </a:solidFill>
+                      <a:prstDash val="solid"/>
+                      <a:round/>
+                      <a:headEnd type="none" w="med" len="med"/>
+                      <a:tailEnd type="none" w="med" len="med"/>
+                    </a:lnB>
+                  </a:tcPr>
+                </a:tc>
+                <a:tc>
+                  <a:txBody>
+                    <a:bodyPr/>
+                    <a:lstStyle/>
+                    <a:p>
+                      <a:pPr algn="r" fontAlgn="b"/>
+                      <a:r>
+                        <a:rPr lang="fi-FI" sz="2400" b="0" i="0" u="none" strike="noStrike" dirty="0">
+                          <a:solidFill>
+                            <a:srgbClr val="000000"/>
+                          </a:solidFill>
+                          <a:effectLst/>
+                          <a:latin typeface="Helvetica Neue Light"/>
+                        </a:rPr>
+                        <a:t> 141,095,760 </a:t>
+                      </a:r>
+                    </a:p>
+                  </a:txBody>
+                  <a:tcPr marL="12700" marR="12700" marT="12700" marB="0" anchor="b">
+                    <a:lnL>
+                      <a:noFill/>
+                    </a:lnL>
+                    <a:lnR>
+                      <a:noFill/>
+                    </a:lnR>
+                    <a:lnT w="6350" cap="flat" cmpd="sng" algn="ctr">
+                      <a:solidFill>
+                        <a:srgbClr val="EBF1DE"/>
+                      </a:solidFill>
+                      <a:prstDash val="solid"/>
+                      <a:round/>
+                      <a:headEnd type="none" w="med" len="med"/>
+                      <a:tailEnd type="none" w="med" len="med"/>
+                    </a:lnT>
+                    <a:lnB w="25400" cap="flat" cmpd="dbl" algn="ctr">
+                      <a:solidFill>
+                        <a:srgbClr val="76933C"/>
+                      </a:solidFill>
+                      <a:prstDash val="solid"/>
+                      <a:round/>
+                      <a:headEnd type="none" w="med" len="med"/>
+                      <a:tailEnd type="none" w="med" len="med"/>
+                    </a:lnB>
+                  </a:tcPr>
+                </a:tc>
+              </a:tr>
+              <a:tr h="426244">
+                <a:tc>
+                  <a:txBody>
+                    <a:bodyPr/>
+                    <a:lstStyle/>
+                    <a:p>
+                      <a:pPr algn="l" fontAlgn="b"/>
+                      <a:r>
+                        <a:rPr lang="en-US" sz="2400" b="1" i="0" u="none" strike="noStrike">
+                          <a:solidFill>
+                            <a:srgbClr val="000000"/>
+                          </a:solidFill>
+                          <a:effectLst/>
+                          <a:latin typeface="Helvetica Neue Light"/>
+                        </a:rPr>
+                        <a:t>Grand Total</a:t>
+                      </a:r>
+                    </a:p>
+                  </a:txBody>
+                  <a:tcPr marL="12700" marR="12700" marT="12700" marB="0" anchor="b">
+                    <a:lnL>
+                      <a:noFill/>
+                    </a:lnL>
+                    <a:lnR>
+                      <a:noFill/>
+                    </a:lnR>
+                    <a:lnT w="25400" cap="flat" cmpd="dbl" algn="ctr">
+                      <a:solidFill>
+                        <a:srgbClr val="76933C"/>
+                      </a:solidFill>
+                      <a:prstDash val="solid"/>
+                      <a:round/>
+                      <a:headEnd type="none" w="med" len="med"/>
+                      <a:tailEnd type="none" w="med" len="med"/>
+                    </a:lnT>
+                    <a:lnB>
+                      <a:noFill/>
+                    </a:lnB>
+                  </a:tcPr>
+                </a:tc>
+                <a:tc>
+                  <a:txBody>
+                    <a:bodyPr/>
+                    <a:lstStyle/>
+                    <a:p>
+                      <a:pPr algn="r" fontAlgn="b"/>
+                      <a:r>
+                        <a:rPr lang="cs-CZ" sz="2400" b="1" i="0" u="none" strike="noStrike">
+                          <a:solidFill>
+                            <a:srgbClr val="000000"/>
+                          </a:solidFill>
+                          <a:effectLst/>
+                          <a:latin typeface="Helvetica Neue Light"/>
+                        </a:rPr>
+                        <a:t> 3,539,642 </a:t>
+                      </a:r>
+                    </a:p>
+                  </a:txBody>
+                  <a:tcPr marL="12700" marR="12700" marT="12700" marB="0" anchor="b">
+                    <a:lnL>
+                      <a:noFill/>
+                    </a:lnL>
+                    <a:lnR>
+                      <a:noFill/>
+                    </a:lnR>
+                    <a:lnT w="25400" cap="flat" cmpd="dbl" algn="ctr">
+                      <a:solidFill>
+                        <a:srgbClr val="76933C"/>
+                      </a:solidFill>
+                      <a:prstDash val="solid"/>
+                      <a:round/>
+                      <a:headEnd type="none" w="med" len="med"/>
+                      <a:tailEnd type="none" w="med" len="med"/>
+                    </a:lnT>
+                    <a:lnB>
+                      <a:noFill/>
+                    </a:lnB>
+                  </a:tcPr>
+                </a:tc>
+                <a:tc>
+                  <a:txBody>
+                    <a:bodyPr/>
+                    <a:lstStyle/>
+                    <a:p>
+                      <a:pPr algn="r" fontAlgn="b"/>
+                      <a:r>
+                        <a:rPr lang="fi-FI" sz="2400" b="1" i="0" u="none" strike="noStrike" dirty="0">
+                          <a:solidFill>
+                            <a:srgbClr val="000000"/>
+                          </a:solidFill>
+                          <a:effectLst/>
+                          <a:latin typeface="Helvetica Neue Light"/>
+                        </a:rPr>
+                        <a:t> 6,413,910,824 </a:t>
+                      </a:r>
+                    </a:p>
+                  </a:txBody>
+                  <a:tcPr marL="12700" marR="12700" marT="12700" marB="0" anchor="b">
+                    <a:lnL>
+                      <a:noFill/>
+                    </a:lnL>
+                    <a:lnR>
+                      <a:noFill/>
+                    </a:lnR>
+                    <a:lnT w="25400" cap="flat" cmpd="dbl" algn="ctr">
+                      <a:solidFill>
+                        <a:srgbClr val="76933C"/>
+                      </a:solidFill>
+                      <a:prstDash val="solid"/>
+                      <a:round/>
+                      <a:headEnd type="none" w="med" len="med"/>
+                      <a:tailEnd type="none" w="med" len="med"/>
+                    </a:lnT>
+                    <a:lnB>
+                      <a:noFill/>
+                    </a:lnB>
+                  </a:tcPr>
+                </a:tc>
+              </a:tr>
+            </a:tbl>
+          </a:graphicData>
+        </a:graphic>
+      </p:graphicFrame>
+    </p:spTree>
+    <p:extLst>
+      <p:ext uri="{BB962C8B-B14F-4D97-AF65-F5344CB8AC3E}">
+        <p14:creationId xmlns:p14="http://schemas.microsoft.com/office/powerpoint/2010/main" val="3634021034"/>
+      </p:ext>
+    </p:extLst>
+  </p:cSld>
+  <p:clrMapOvr>
+    <a:masterClrMapping/>
+  </p:clrMapOvr>
+</p:sld>
+</file>
+
 <file path=ppt/slides/slide4.xml><?xml version="1.0" encoding="utf-8"?>
 <p:sld xmlns:a="http://schemas.openxmlformats.org/drawingml/2006/main" xmlns:r="http://schemas.openxmlformats.org/officeDocument/2006/relationships" xmlns:p="http://schemas.openxmlformats.org/presentationml/2006/main">
   <p:cSld>

--- a/report/nofa_presentation-sadc.pptx
+++ b/report/nofa_presentation-sadc.pptx
@@ -24084,7 +24084,12 @@
             <p:ph type="title"/>
           </p:nvPr>
         </p:nvSpPr>
-        <p:spPr/>
+        <p:spPr>
+          <a:xfrm>
+            <a:off x="0" y="274638"/>
+            <a:ext cx="9144000" cy="1143000"/>
+          </a:xfrm>
+        </p:spPr>
         <p:txBody>
           <a:bodyPr/>
           <a:lstStyle/>
@@ -25688,14 +25693,21 @@
             <p:ph type="title"/>
           </p:nvPr>
         </p:nvSpPr>
-        <p:spPr/>
+        <p:spPr>
+          <a:xfrm>
+            <a:off x="0" y="274638"/>
+            <a:ext cx="9144000" cy="1143000"/>
+          </a:xfrm>
+        </p:spPr>
         <p:txBody>
-          <a:bodyPr/>
+          <a:bodyPr>
+            <a:normAutofit fontScale="90000"/>
+          </a:bodyPr>
           <a:lstStyle/>
           <a:p>
             <a:r>
               <a:rPr lang="en-GB" dirty="0" smtClean="0"/>
-              <a:t>Food Poverty Line Deficit Totals</a:t>
+              <a:t>Lower Bound Poverty Line Deficit Totals</a:t>
             </a:r>
             <a:endParaRPr lang="en-GB" dirty="0"/>
           </a:p>
